--- a/03_packages/python_packages.pptx
+++ b/03_packages/python_packages.pptx
@@ -10,19 +10,20 @@
     <p:sldId id="258" r:id="rId4"/>
     <p:sldId id="261" r:id="rId5"/>
     <p:sldId id="262" r:id="rId6"/>
-    <p:sldId id="263" r:id="rId7"/>
-    <p:sldId id="266" r:id="rId8"/>
-    <p:sldId id="265" r:id="rId9"/>
-    <p:sldId id="259" r:id="rId10"/>
-    <p:sldId id="264" r:id="rId11"/>
-    <p:sldId id="267" r:id="rId12"/>
-    <p:sldId id="269" r:id="rId13"/>
-    <p:sldId id="268" r:id="rId14"/>
+    <p:sldId id="266" r:id="rId7"/>
+    <p:sldId id="265" r:id="rId8"/>
+    <p:sldId id="259" r:id="rId9"/>
+    <p:sldId id="264" r:id="rId10"/>
+    <p:sldId id="267" r:id="rId11"/>
+    <p:sldId id="269" r:id="rId12"/>
+    <p:sldId id="268" r:id="rId13"/>
+    <p:sldId id="275" r:id="rId14"/>
     <p:sldId id="270" r:id="rId15"/>
     <p:sldId id="271" r:id="rId16"/>
     <p:sldId id="272" r:id="rId17"/>
     <p:sldId id="273" r:id="rId18"/>
-    <p:sldId id="274" r:id="rId19"/>
+    <p:sldId id="276" r:id="rId19"/>
+    <p:sldId id="274" r:id="rId20"/>
   </p:sldIdLst>
   <p:sldSz cx="12192000" cy="6858000"/>
   <p:notesSz cx="6858000" cy="9144000"/>
@@ -121,6 +122,11 @@
       </a:defRPr>
     </a:lvl9pPr>
   </p:defaultTextStyle>
+  <p:extLst>
+    <p:ext uri="{EFAFB233-063F-42B5-8137-9DF3F51BA10A}">
+      <p15:sldGuideLst xmlns:p15="http://schemas.microsoft.com/office/powerpoint/2012/main"/>
+    </p:ext>
+  </p:extLst>
 </p:presentation>
 </file>
 
@@ -3445,6 +3451,14 @@
 <file path=ppt/slides/slide10.xml><?xml version="1.0" encoding="utf-8"?>
 <p:sld xmlns:a="http://schemas.openxmlformats.org/drawingml/2006/main" xmlns:r="http://schemas.openxmlformats.org/officeDocument/2006/relationships" xmlns:p="http://schemas.openxmlformats.org/presentationml/2006/main">
   <p:cSld>
+    <p:bg>
+      <p:bgPr>
+        <a:solidFill>
+          <a:srgbClr val="282C33"/>
+        </a:solidFill>
+        <a:effectLst/>
+      </p:bgPr>
+    </p:bg>
     <p:spTree>
       <p:nvGrpSpPr>
         <p:cNvPr id="1" name=""/>
@@ -3464,7 +3478,7 @@
           <p:cNvPr id="2" name="Title 1">
             <a:extLst>
               <a:ext uri="{FF2B5EF4-FFF2-40B4-BE49-F238E27FC236}">
-                <a16:creationId xmlns:a16="http://schemas.microsoft.com/office/drawing/2014/main" id="{568BC4D0-D766-9AC3-9FCA-9E182B505579}"/>
+                <a16:creationId xmlns:a16="http://schemas.microsoft.com/office/drawing/2014/main" id="{7C187530-5060-B444-4B96-18889AE3E2C3}"/>
               </a:ext>
             </a:extLst>
           </p:cNvPr>
@@ -3475,38 +3489,56 @@
             <p:ph type="title"/>
           </p:nvPr>
         </p:nvSpPr>
-        <p:spPr>
-          <a:xfrm>
-            <a:off x="838200" y="365125"/>
-            <a:ext cx="10515600" cy="1662458"/>
-          </a:xfrm>
-        </p:spPr>
+        <p:spPr/>
         <p:txBody>
           <a:bodyPr/>
           <a:lstStyle/>
           <a:p>
             <a:r>
-              <a:rPr lang="en-NO" dirty="0"/>
-              <a:t>Why C? </a:t>
-            </a:r>
+              <a:rPr lang="en-GB" dirty="0">
+                <a:solidFill>
+                  <a:schemeClr val="bg1"/>
+                </a:solidFill>
+              </a:rPr>
+              <a:t>Python Package Index (</a:t>
+            </a:r>
+            <a:r>
+              <a:rPr lang="en-GB" dirty="0" err="1">
+                <a:solidFill>
+                  <a:schemeClr val="bg1"/>
+                </a:solidFill>
+              </a:rPr>
+              <a:t>PyPI</a:t>
+            </a:r>
+            <a:r>
+              <a:rPr lang="en-GB" dirty="0">
+                <a:solidFill>
+                  <a:schemeClr val="bg1"/>
+                </a:solidFill>
+              </a:rPr>
+              <a:t>)</a:t>
+            </a:r>
+            <a:endParaRPr lang="en-NO" dirty="0">
+              <a:solidFill>
+                <a:schemeClr val="bg1"/>
+              </a:solidFill>
+            </a:endParaRPr>
           </a:p>
         </p:txBody>
       </p:sp>
       <p:pic>
         <p:nvPicPr>
-          <p:cNvPr id="5" name="Content Placeholder 4" descr="Chart, bar chart, histogram&#10;&#10;Description automatically generated">
-            <a:extLst>
-              <a:ext uri="{FF2B5EF4-FFF2-40B4-BE49-F238E27FC236}">
-                <a16:creationId xmlns:a16="http://schemas.microsoft.com/office/drawing/2014/main" id="{34B6184E-53CA-83D2-BAC3-52A5F1F60F80}"/>
+          <p:cNvPr id="6" name="Picture 5" descr="Graphical user interface, application, website&#10;&#10;Description automatically generated">
+            <a:extLst>
+              <a:ext uri="{FF2B5EF4-FFF2-40B4-BE49-F238E27FC236}">
+                <a16:creationId xmlns:a16="http://schemas.microsoft.com/office/drawing/2014/main" id="{7B7C9AF5-87EB-4F47-87A1-24A5382B8DC6}"/>
               </a:ext>
             </a:extLst>
           </p:cNvPr>
           <p:cNvPicPr>
-            <a:picLocks noGrp="1" noChangeAspect="1"/>
+            <a:picLocks noChangeAspect="1"/>
           </p:cNvPicPr>
-          <p:nvPr>
-            <p:ph idx="1"/>
-          </p:nvPr>
+          <p:nvPr/>
         </p:nvPicPr>
         <p:blipFill>
           <a:blip r:embed="rId2"/>
@@ -3516,17 +3548,20 @@
         </p:blipFill>
         <p:spPr>
           <a:xfrm>
-            <a:off x="3589130" y="492538"/>
-            <a:ext cx="5013740" cy="5013740"/>
+            <a:off x="2209800" y="1636170"/>
+            <a:ext cx="7772400" cy="4730248"/>
           </a:xfrm>
+          <a:prstGeom prst="rect">
+            <a:avLst/>
+          </a:prstGeom>
         </p:spPr>
       </p:pic>
       <p:sp>
         <p:nvSpPr>
-          <p:cNvPr id="6" name="TextBox 5">
-            <a:extLst>
-              <a:ext uri="{FF2B5EF4-FFF2-40B4-BE49-F238E27FC236}">
-                <a16:creationId xmlns:a16="http://schemas.microsoft.com/office/drawing/2014/main" id="{35E02217-84FA-5A82-463F-19590A7C4326}"/>
+          <p:cNvPr id="9" name="TextBox 8">
+            <a:extLst>
+              <a:ext uri="{FF2B5EF4-FFF2-40B4-BE49-F238E27FC236}">
+                <a16:creationId xmlns:a16="http://schemas.microsoft.com/office/drawing/2014/main" id="{C79D1448-315B-FA9A-5324-EB7F5763088F}"/>
               </a:ext>
             </a:extLst>
           </p:cNvPr>
@@ -3535,8 +3570,8 @@
         </p:nvSpPr>
         <p:spPr>
           <a:xfrm>
-            <a:off x="2623831" y="5648460"/>
-            <a:ext cx="6944337" cy="369332"/>
+            <a:off x="10334965" y="6515502"/>
+            <a:ext cx="1343188" cy="307777"/>
           </a:xfrm>
           <a:prstGeom prst="rect">
             <a:avLst/>
@@ -3550,24 +3585,42 @@
           <a:lstStyle/>
           <a:p>
             <a:r>
-              <a:rPr lang="en-NO" dirty="0"/>
-              <a:t>Speed comparing for diff</a:t>
-            </a:r>
-            <a:r>
-              <a:rPr lang="en-GB" dirty="0"/>
-              <a:t>e</a:t>
-            </a:r>
-            <a:r>
-              <a:rPr lang="en-NO" dirty="0"/>
-              <a:t>rent programming languages (lower is better!)</a:t>
-            </a:r>
+              <a:rPr lang="en-GB" sz="1400" dirty="0">
+                <a:solidFill>
+                  <a:schemeClr val="tx1">
+                    <a:lumMod val="50000"/>
+                    <a:lumOff val="50000"/>
+                  </a:schemeClr>
+                </a:solidFill>
+              </a:rPr>
+              <a:t>https://</a:t>
+            </a:r>
+            <a:r>
+              <a:rPr lang="en-GB" sz="1400" dirty="0" err="1">
+                <a:solidFill>
+                  <a:schemeClr val="tx1">
+                    <a:lumMod val="50000"/>
+                    <a:lumOff val="50000"/>
+                  </a:schemeClr>
+                </a:solidFill>
+              </a:rPr>
+              <a:t>pypi.org</a:t>
+            </a:r>
+            <a:endParaRPr lang="en-NO" sz="1400" dirty="0">
+              <a:solidFill>
+                <a:schemeClr val="tx1">
+                  <a:lumMod val="50000"/>
+                  <a:lumOff val="50000"/>
+                </a:schemeClr>
+              </a:solidFill>
+            </a:endParaRPr>
           </a:p>
         </p:txBody>
       </p:sp>
     </p:spTree>
     <p:extLst>
       <p:ext uri="{BB962C8B-B14F-4D97-AF65-F5344CB8AC3E}">
-        <p14:creationId xmlns:p14="http://schemas.microsoft.com/office/powerpoint/2010/main" val="2876202316"/>
+        <p14:creationId xmlns:p14="http://schemas.microsoft.com/office/powerpoint/2010/main" val="3092856935"/>
       </p:ext>
     </p:extLst>
   </p:cSld>
@@ -3655,12 +3708,84 @@
           </a:p>
         </p:txBody>
       </p:sp>
+      <p:sp>
+        <p:nvSpPr>
+          <p:cNvPr id="7" name="TextBox 6">
+            <a:extLst>
+              <a:ext uri="{FF2B5EF4-FFF2-40B4-BE49-F238E27FC236}">
+                <a16:creationId xmlns:a16="http://schemas.microsoft.com/office/drawing/2014/main" id="{8C813F13-F109-2350-E7F6-C94D9D03B603}"/>
+              </a:ext>
+            </a:extLst>
+          </p:cNvPr>
+          <p:cNvSpPr txBox="1"/>
+          <p:nvPr/>
+        </p:nvSpPr>
+        <p:spPr>
+          <a:xfrm>
+            <a:off x="9267297" y="6492875"/>
+            <a:ext cx="2514599" cy="307777"/>
+          </a:xfrm>
+          <a:prstGeom prst="rect">
+            <a:avLst/>
+          </a:prstGeom>
+          <a:noFill/>
+        </p:spPr>
+        <p:txBody>
+          <a:bodyPr wrap="none" rtlCol="0">
+            <a:spAutoFit/>
+          </a:bodyPr>
+          <a:lstStyle/>
+          <a:p>
+            <a:r>
+              <a:rPr lang="en-GB" sz="1400" dirty="0">
+                <a:solidFill>
+                  <a:schemeClr val="tx1">
+                    <a:lumMod val="50000"/>
+                    <a:lumOff val="50000"/>
+                  </a:schemeClr>
+                </a:solidFill>
+              </a:rPr>
+              <a:t>https://</a:t>
+            </a:r>
+            <a:r>
+              <a:rPr lang="en-GB" sz="1400" dirty="0" err="1">
+                <a:solidFill>
+                  <a:schemeClr val="tx1">
+                    <a:lumMod val="50000"/>
+                    <a:lumOff val="50000"/>
+                  </a:schemeClr>
+                </a:solidFill>
+              </a:rPr>
+              <a:t>pypi.org</a:t>
+            </a:r>
+            <a:r>
+              <a:rPr lang="en-GB" sz="1400" dirty="0">
+                <a:solidFill>
+                  <a:schemeClr val="tx1">
+                    <a:lumMod val="50000"/>
+                    <a:lumOff val="50000"/>
+                  </a:schemeClr>
+                </a:solidFill>
+              </a:rPr>
+              <a:t>/project/Pillow/</a:t>
+            </a:r>
+            <a:endParaRPr lang="en-NO" sz="1400" dirty="0">
+              <a:solidFill>
+                <a:schemeClr val="tx1">
+                  <a:lumMod val="50000"/>
+                  <a:lumOff val="50000"/>
+                </a:schemeClr>
+              </a:solidFill>
+            </a:endParaRPr>
+          </a:p>
+        </p:txBody>
+      </p:sp>
       <p:pic>
         <p:nvPicPr>
-          <p:cNvPr id="6" name="Picture 5" descr="Graphical user interface, application, website&#10;&#10;Description automatically generated">
-            <a:extLst>
-              <a:ext uri="{FF2B5EF4-FFF2-40B4-BE49-F238E27FC236}">
-                <a16:creationId xmlns:a16="http://schemas.microsoft.com/office/drawing/2014/main" id="{7B7C9AF5-87EB-4F47-87A1-24A5382B8DC6}"/>
+          <p:cNvPr id="4" name="Picture 3" descr="Graphical user interface, text, application, chat or text message&#10;&#10;Description automatically generated">
+            <a:extLst>
+              <a:ext uri="{FF2B5EF4-FFF2-40B4-BE49-F238E27FC236}">
+                <a16:creationId xmlns:a16="http://schemas.microsoft.com/office/drawing/2014/main" id="{F9E21AF4-BB9F-8333-6602-5B26997A35A0}"/>
               </a:ext>
             </a:extLst>
           </p:cNvPr>
@@ -3677,8 +3802,8 @@
         </p:blipFill>
         <p:spPr>
           <a:xfrm>
-            <a:off x="2209800" y="1636170"/>
-            <a:ext cx="7772400" cy="4730248"/>
+            <a:off x="2209800" y="1690688"/>
+            <a:ext cx="7772400" cy="4682601"/>
           </a:xfrm>
           <a:prstGeom prst="rect">
             <a:avLst/>
@@ -3687,69 +3812,58 @@
       </p:pic>
       <p:sp>
         <p:nvSpPr>
-          <p:cNvPr id="9" name="TextBox 8">
-            <a:extLst>
-              <a:ext uri="{FF2B5EF4-FFF2-40B4-BE49-F238E27FC236}">
-                <a16:creationId xmlns:a16="http://schemas.microsoft.com/office/drawing/2014/main" id="{C79D1448-315B-FA9A-5324-EB7F5763088F}"/>
-              </a:ext>
-            </a:extLst>
-          </p:cNvPr>
-          <p:cNvSpPr txBox="1"/>
+          <p:cNvPr id="5" name="Rectangle 4">
+            <a:extLst>
+              <a:ext uri="{FF2B5EF4-FFF2-40B4-BE49-F238E27FC236}">
+                <a16:creationId xmlns:a16="http://schemas.microsoft.com/office/drawing/2014/main" id="{EECCC359-70D0-0862-1550-79F0B74F5925}"/>
+              </a:ext>
+            </a:extLst>
+          </p:cNvPr>
+          <p:cNvSpPr/>
           <p:nvPr/>
         </p:nvSpPr>
         <p:spPr>
           <a:xfrm>
-            <a:off x="10334965" y="6515502"/>
-            <a:ext cx="1343188" cy="307777"/>
+            <a:off x="2835965" y="2729948"/>
+            <a:ext cx="1722783" cy="450574"/>
           </a:xfrm>
           <a:prstGeom prst="rect">
             <a:avLst/>
           </a:prstGeom>
           <a:noFill/>
+          <a:ln w="28575">
+            <a:solidFill>
+              <a:srgbClr val="FF0000"/>
+            </a:solidFill>
+          </a:ln>
         </p:spPr>
-        <p:txBody>
-          <a:bodyPr wrap="none" rtlCol="0">
-            <a:spAutoFit/>
-          </a:bodyPr>
-          <a:lstStyle/>
-          <a:p>
-            <a:r>
-              <a:rPr lang="en-GB" sz="1400" dirty="0">
-                <a:solidFill>
-                  <a:schemeClr val="tx1">
-                    <a:lumMod val="50000"/>
-                    <a:lumOff val="50000"/>
-                  </a:schemeClr>
-                </a:solidFill>
-              </a:rPr>
-              <a:t>https://</a:t>
-            </a:r>
-            <a:r>
-              <a:rPr lang="en-GB" sz="1400" dirty="0" err="1">
-                <a:solidFill>
-                  <a:schemeClr val="tx1">
-                    <a:lumMod val="50000"/>
-                    <a:lumOff val="50000"/>
-                  </a:schemeClr>
-                </a:solidFill>
-              </a:rPr>
-              <a:t>pypi.org</a:t>
-            </a:r>
-            <a:endParaRPr lang="en-NO" sz="1400" dirty="0">
-              <a:solidFill>
-                <a:schemeClr val="tx1">
-                  <a:lumMod val="50000"/>
-                  <a:lumOff val="50000"/>
-                </a:schemeClr>
-              </a:solidFill>
-            </a:endParaRPr>
+        <p:style>
+          <a:lnRef idx="2">
+            <a:schemeClr val="accent2"/>
+          </a:lnRef>
+          <a:fillRef idx="1">
+            <a:schemeClr val="lt1"/>
+          </a:fillRef>
+          <a:effectRef idx="0">
+            <a:schemeClr val="accent2"/>
+          </a:effectRef>
+          <a:fontRef idx="minor">
+            <a:schemeClr val="dk1"/>
+          </a:fontRef>
+        </p:style>
+        <p:txBody>
+          <a:bodyPr rtlCol="0" anchor="ctr"/>
+          <a:lstStyle/>
+          <a:p>
+            <a:pPr algn="ctr"/>
+            <a:endParaRPr lang="en-NO"/>
           </a:p>
         </p:txBody>
       </p:sp>
     </p:spTree>
     <p:extLst>
       <p:ext uri="{BB962C8B-B14F-4D97-AF65-F5344CB8AC3E}">
-        <p14:creationId xmlns:p14="http://schemas.microsoft.com/office/powerpoint/2010/main" val="3092856935"/>
+        <p14:creationId xmlns:p14="http://schemas.microsoft.com/office/powerpoint/2010/main" val="1910346733"/>
       </p:ext>
     </p:extLst>
   </p:cSld>
@@ -3806,193 +3920,386 @@
           <a:lstStyle/>
           <a:p>
             <a:r>
+              <a:rPr lang="en-NO" dirty="0">
+                <a:solidFill>
+                  <a:schemeClr val="bg1"/>
+                </a:solidFill>
+              </a:rPr>
+              <a:t>pip</a:t>
+            </a:r>
+          </a:p>
+        </p:txBody>
+      </p:sp>
+      <p:sp>
+        <p:nvSpPr>
+          <p:cNvPr id="5" name="Content Placeholder 2">
+            <a:extLst>
+              <a:ext uri="{FF2B5EF4-FFF2-40B4-BE49-F238E27FC236}">
+                <a16:creationId xmlns:a16="http://schemas.microsoft.com/office/drawing/2014/main" id="{3BA9FBFE-3597-A618-864E-C2911E8F3419}"/>
+              </a:ext>
+            </a:extLst>
+          </p:cNvPr>
+          <p:cNvSpPr>
+            <a:spLocks noGrp="1"/>
+          </p:cNvSpPr>
+          <p:nvPr>
+            <p:ph idx="1"/>
+          </p:nvPr>
+        </p:nvSpPr>
+        <p:spPr>
+          <a:xfrm>
+            <a:off x="838200" y="1825625"/>
+            <a:ext cx="10515600" cy="4351338"/>
+          </a:xfrm>
+        </p:spPr>
+        <p:txBody>
+          <a:bodyPr>
+            <a:normAutofit lnSpcReduction="10000"/>
+          </a:bodyPr>
+          <a:lstStyle/>
+          <a:p>
+            <a:r>
               <a:rPr lang="en-GB" dirty="0">
                 <a:solidFill>
                   <a:schemeClr val="bg1"/>
                 </a:solidFill>
               </a:rPr>
-              <a:t>Python Package Index (</a:t>
-            </a:r>
-            <a:r>
-              <a:rPr lang="en-GB" dirty="0" err="1">
-                <a:solidFill>
-                  <a:schemeClr val="bg1"/>
-                </a:solidFill>
-              </a:rPr>
-              <a:t>PyPI</a:t>
-            </a:r>
-            <a:r>
-              <a:rPr lang="en-GB" dirty="0">
-                <a:solidFill>
-                  <a:schemeClr val="bg1"/>
-                </a:solidFill>
-              </a:rPr>
-              <a:t>)</a:t>
-            </a:r>
-            <a:endParaRPr lang="en-NO" dirty="0">
+              <a:t>pip is a package manager for Python packages</a:t>
+            </a:r>
+          </a:p>
+          <a:p>
+            <a:pPr marL="0" indent="0">
+              <a:buNone/>
+            </a:pPr>
+            <a:endParaRPr lang="en-GB" dirty="0">
               <a:solidFill>
                 <a:schemeClr val="bg1"/>
               </a:solidFill>
             </a:endParaRPr>
           </a:p>
-        </p:txBody>
-      </p:sp>
-      <p:sp>
-        <p:nvSpPr>
-          <p:cNvPr id="7" name="TextBox 6">
-            <a:extLst>
-              <a:ext uri="{FF2B5EF4-FFF2-40B4-BE49-F238E27FC236}">
-                <a16:creationId xmlns:a16="http://schemas.microsoft.com/office/drawing/2014/main" id="{8C813F13-F109-2350-E7F6-C94D9D03B603}"/>
-              </a:ext>
-            </a:extLst>
-          </p:cNvPr>
-          <p:cNvSpPr txBox="1"/>
-          <p:nvPr/>
-        </p:nvSpPr>
-        <p:spPr>
-          <a:xfrm>
-            <a:off x="9267297" y="6492875"/>
-            <a:ext cx="2514599" cy="307777"/>
-          </a:xfrm>
-          <a:prstGeom prst="rect">
-            <a:avLst/>
-          </a:prstGeom>
-          <a:noFill/>
-        </p:spPr>
-        <p:txBody>
-          <a:bodyPr wrap="none" rtlCol="0">
-            <a:spAutoFit/>
-          </a:bodyPr>
-          <a:lstStyle/>
-          <a:p>
-            <a:r>
-              <a:rPr lang="en-GB" sz="1400" dirty="0">
-                <a:solidFill>
-                  <a:schemeClr val="tx1">
-                    <a:lumMod val="50000"/>
-                    <a:lumOff val="50000"/>
-                  </a:schemeClr>
-                </a:solidFill>
-              </a:rPr>
-              <a:t>https://</a:t>
-            </a:r>
-            <a:r>
-              <a:rPr lang="en-GB" sz="1400" dirty="0" err="1">
-                <a:solidFill>
-                  <a:schemeClr val="tx1">
-                    <a:lumMod val="50000"/>
-                    <a:lumOff val="50000"/>
-                  </a:schemeClr>
-                </a:solidFill>
-              </a:rPr>
-              <a:t>pypi.org</a:t>
-            </a:r>
-            <a:r>
-              <a:rPr lang="en-GB" sz="1400" dirty="0">
-                <a:solidFill>
-                  <a:schemeClr val="tx1">
-                    <a:lumMod val="50000"/>
-                    <a:lumOff val="50000"/>
-                  </a:schemeClr>
-                </a:solidFill>
-              </a:rPr>
-              <a:t>/project/Pillow/</a:t>
-            </a:r>
-            <a:endParaRPr lang="en-NO" sz="1400" dirty="0">
+          <a:p>
+            <a:pPr marL="0" indent="0">
+              <a:buNone/>
+            </a:pPr>
+            <a:r>
+              <a:rPr lang="en-GB" dirty="0">
+                <a:solidFill>
+                  <a:schemeClr val="bg1"/>
+                </a:solidFill>
+                <a:latin typeface="Miriam Fixed" panose="020B0509050101010101" pitchFamily="49" charset="-79"/>
+                <a:cs typeface="Miriam Fixed" panose="020B0509050101010101" pitchFamily="49" charset="-79"/>
+              </a:rPr>
+              <a:t>pip --version </a:t>
+            </a:r>
+            <a:r>
+              <a:rPr lang="en-GB" dirty="0">
+                <a:solidFill>
+                  <a:schemeClr val="bg1"/>
+                </a:solidFill>
+                <a:cs typeface="Miriam Fixed" panose="020B0509050101010101" pitchFamily="49" charset="-79"/>
+              </a:rPr>
+              <a:t># pip version installed</a:t>
+            </a:r>
+            <a:endParaRPr lang="en-GB" dirty="0">
               <a:solidFill>
-                <a:schemeClr val="tx1">
-                  <a:lumMod val="50000"/>
-                  <a:lumOff val="50000"/>
-                </a:schemeClr>
+                <a:schemeClr val="bg1"/>
               </a:solidFill>
+              <a:latin typeface="Miriam Fixed" panose="020B0509050101010101" pitchFamily="49" charset="-79"/>
+              <a:cs typeface="Miriam Fixed" panose="020B0509050101010101" pitchFamily="49" charset="-79"/>
             </a:endParaRPr>
           </a:p>
-        </p:txBody>
-      </p:sp>
-      <p:pic>
-        <p:nvPicPr>
-          <p:cNvPr id="4" name="Picture 3" descr="Graphical user interface, text, application, chat or text message&#10;&#10;Description automatically generated">
-            <a:extLst>
-              <a:ext uri="{FF2B5EF4-FFF2-40B4-BE49-F238E27FC236}">
-                <a16:creationId xmlns:a16="http://schemas.microsoft.com/office/drawing/2014/main" id="{F9E21AF4-BB9F-8333-6602-5B26997A35A0}"/>
-              </a:ext>
-            </a:extLst>
-          </p:cNvPr>
-          <p:cNvPicPr>
-            <a:picLocks noChangeAspect="1"/>
-          </p:cNvPicPr>
-          <p:nvPr/>
-        </p:nvPicPr>
-        <p:blipFill>
-          <a:blip r:embed="rId2"/>
-          <a:stretch>
-            <a:fillRect/>
-          </a:stretch>
-        </p:blipFill>
-        <p:spPr>
-          <a:xfrm>
-            <a:off x="2209800" y="1690688"/>
-            <a:ext cx="7772400" cy="4682601"/>
-          </a:xfrm>
-          <a:prstGeom prst="rect">
-            <a:avLst/>
-          </a:prstGeom>
-        </p:spPr>
-      </p:pic>
-      <p:sp>
-        <p:nvSpPr>
-          <p:cNvPr id="5" name="Rectangle 4">
-            <a:extLst>
-              <a:ext uri="{FF2B5EF4-FFF2-40B4-BE49-F238E27FC236}">
-                <a16:creationId xmlns:a16="http://schemas.microsoft.com/office/drawing/2014/main" id="{EECCC359-70D0-0862-1550-79F0B74F5925}"/>
-              </a:ext>
-            </a:extLst>
-          </p:cNvPr>
-          <p:cNvSpPr/>
-          <p:nvPr/>
-        </p:nvSpPr>
-        <p:spPr>
-          <a:xfrm>
-            <a:off x="2835965" y="2729948"/>
-            <a:ext cx="1722783" cy="450574"/>
-          </a:xfrm>
-          <a:prstGeom prst="rect">
-            <a:avLst/>
-          </a:prstGeom>
-          <a:noFill/>
-          <a:ln w="28575">
-            <a:solidFill>
-              <a:srgbClr val="FF0000"/>
-            </a:solidFill>
-          </a:ln>
-        </p:spPr>
-        <p:style>
-          <a:lnRef idx="2">
-            <a:schemeClr val="accent2"/>
-          </a:lnRef>
-          <a:fillRef idx="1">
-            <a:schemeClr val="lt1"/>
-          </a:fillRef>
-          <a:effectRef idx="0">
-            <a:schemeClr val="accent2"/>
-          </a:effectRef>
-          <a:fontRef idx="minor">
-            <a:schemeClr val="dk1"/>
-          </a:fontRef>
-        </p:style>
-        <p:txBody>
-          <a:bodyPr rtlCol="0" anchor="ctr"/>
-          <a:lstStyle/>
-          <a:p>
-            <a:pPr algn="ctr"/>
-            <a:endParaRPr lang="en-NO"/>
+          <a:p>
+            <a:pPr marL="0" indent="0">
+              <a:buNone/>
+            </a:pPr>
+            <a:r>
+              <a:rPr lang="en-GB" dirty="0">
+                <a:solidFill>
+                  <a:schemeClr val="bg1"/>
+                </a:solidFill>
+                <a:latin typeface="Miriam Fixed" panose="020B0509050101010101" pitchFamily="49" charset="-79"/>
+                <a:cs typeface="Miriam Fixed" panose="020B0509050101010101" pitchFamily="49" charset="-79"/>
+              </a:rPr>
+              <a:t>pip --upgrade &lt;</a:t>
+            </a:r>
+            <a:r>
+              <a:rPr lang="en-GB" dirty="0" err="1">
+                <a:solidFill>
+                  <a:schemeClr val="bg1"/>
+                </a:solidFill>
+                <a:latin typeface="Miriam Fixed" panose="020B0509050101010101" pitchFamily="49" charset="-79"/>
+                <a:cs typeface="Miriam Fixed" panose="020B0509050101010101" pitchFamily="49" charset="-79"/>
+              </a:rPr>
+              <a:t>package_name</a:t>
+            </a:r>
+            <a:r>
+              <a:rPr lang="en-GB" dirty="0">
+                <a:solidFill>
+                  <a:schemeClr val="bg1"/>
+                </a:solidFill>
+                <a:latin typeface="Miriam Fixed" panose="020B0509050101010101" pitchFamily="49" charset="-79"/>
+                <a:cs typeface="Miriam Fixed" panose="020B0509050101010101" pitchFamily="49" charset="-79"/>
+              </a:rPr>
+              <a:t>&gt; </a:t>
+            </a:r>
+            <a:r>
+              <a:rPr lang="en-GB" dirty="0">
+                <a:solidFill>
+                  <a:schemeClr val="bg1"/>
+                </a:solidFill>
+                <a:cs typeface="Miriam Fixed" panose="020B0509050101010101" pitchFamily="49" charset="-79"/>
+              </a:rPr>
+              <a:t># update package</a:t>
+            </a:r>
+            <a:endParaRPr lang="en-GB" dirty="0">
+              <a:solidFill>
+                <a:schemeClr val="bg1"/>
+              </a:solidFill>
+              <a:latin typeface="Miriam Fixed" panose="020B0509050101010101" pitchFamily="49" charset="-79"/>
+              <a:cs typeface="Miriam Fixed" panose="020B0509050101010101" pitchFamily="49" charset="-79"/>
+            </a:endParaRPr>
+          </a:p>
+          <a:p>
+            <a:pPr marL="0" indent="0">
+              <a:buNone/>
+            </a:pPr>
+            <a:r>
+              <a:rPr lang="en-GB" dirty="0">
+                <a:solidFill>
+                  <a:schemeClr val="bg1"/>
+                </a:solidFill>
+                <a:latin typeface="Miriam Fixed" panose="020B0509050101010101" pitchFamily="49" charset="-79"/>
+                <a:cs typeface="Miriam Fixed" panose="020B0509050101010101" pitchFamily="49" charset="-79"/>
+              </a:rPr>
+              <a:t>pip list </a:t>
+            </a:r>
+            <a:r>
+              <a:rPr lang="en-GB" dirty="0">
+                <a:solidFill>
+                  <a:schemeClr val="bg1"/>
+                </a:solidFill>
+                <a:cs typeface="Miriam Fixed" panose="020B0509050101010101" pitchFamily="49" charset="-79"/>
+              </a:rPr>
+              <a:t># list installed packages</a:t>
+            </a:r>
+            <a:endParaRPr lang="en-GB" dirty="0">
+              <a:solidFill>
+                <a:schemeClr val="bg1"/>
+              </a:solidFill>
+              <a:latin typeface="Miriam Fixed" panose="020B0509050101010101" pitchFamily="49" charset="-79"/>
+              <a:cs typeface="Miriam Fixed" panose="020B0509050101010101" pitchFamily="49" charset="-79"/>
+            </a:endParaRPr>
+          </a:p>
+          <a:p>
+            <a:pPr marL="0" indent="0">
+              <a:buNone/>
+            </a:pPr>
+            <a:r>
+              <a:rPr lang="en-GB" dirty="0">
+                <a:solidFill>
+                  <a:schemeClr val="bg1"/>
+                </a:solidFill>
+                <a:latin typeface="Miriam Fixed" panose="020B0509050101010101" pitchFamily="49" charset="-79"/>
+                <a:cs typeface="Miriam Fixed" panose="020B0509050101010101" pitchFamily="49" charset="-79"/>
+              </a:rPr>
+              <a:t>pip list --outdated </a:t>
+            </a:r>
+            <a:r>
+              <a:rPr lang="en-GB" dirty="0">
+                <a:solidFill>
+                  <a:schemeClr val="bg1"/>
+                </a:solidFill>
+                <a:cs typeface="Miriam Fixed" panose="020B0509050101010101" pitchFamily="49" charset="-79"/>
+              </a:rPr>
+              <a:t># list outdated packages</a:t>
+            </a:r>
+            <a:endParaRPr lang="en-GB" dirty="0">
+              <a:solidFill>
+                <a:schemeClr val="bg1"/>
+              </a:solidFill>
+              <a:latin typeface="Miriam Fixed" panose="020B0509050101010101" pitchFamily="49" charset="-79"/>
+              <a:cs typeface="Miriam Fixed" panose="020B0509050101010101" pitchFamily="49" charset="-79"/>
+            </a:endParaRPr>
+          </a:p>
+          <a:p>
+            <a:pPr marL="0" indent="0">
+              <a:buNone/>
+            </a:pPr>
+            <a:r>
+              <a:rPr lang="en-GB" dirty="0">
+                <a:solidFill>
+                  <a:schemeClr val="bg1"/>
+                </a:solidFill>
+                <a:latin typeface="Miriam Fixed" panose="020B0509050101010101" pitchFamily="49" charset="-79"/>
+                <a:cs typeface="Miriam Fixed" panose="020B0509050101010101" pitchFamily="49" charset="-79"/>
+              </a:rPr>
+              <a:t>pip install &lt;</a:t>
+            </a:r>
+            <a:r>
+              <a:rPr lang="en-GB" dirty="0" err="1">
+                <a:solidFill>
+                  <a:schemeClr val="bg1"/>
+                </a:solidFill>
+                <a:latin typeface="Miriam Fixed" panose="020B0509050101010101" pitchFamily="49" charset="-79"/>
+                <a:cs typeface="Miriam Fixed" panose="020B0509050101010101" pitchFamily="49" charset="-79"/>
+              </a:rPr>
+              <a:t>package_name</a:t>
+            </a:r>
+            <a:r>
+              <a:rPr lang="en-GB" dirty="0">
+                <a:solidFill>
+                  <a:schemeClr val="bg1"/>
+                </a:solidFill>
+                <a:latin typeface="Miriam Fixed" panose="020B0509050101010101" pitchFamily="49" charset="-79"/>
+                <a:cs typeface="Miriam Fixed" panose="020B0509050101010101" pitchFamily="49" charset="-79"/>
+              </a:rPr>
+              <a:t>&gt; </a:t>
+            </a:r>
+            <a:r>
+              <a:rPr lang="en-GB" dirty="0">
+                <a:solidFill>
+                  <a:schemeClr val="bg1"/>
+                </a:solidFill>
+                <a:cs typeface="Miriam Fixed" panose="020B0509050101010101" pitchFamily="49" charset="-79"/>
+              </a:rPr>
+              <a:t># install &lt;</a:t>
+            </a:r>
+            <a:r>
+              <a:rPr lang="en-GB" dirty="0" err="1">
+                <a:solidFill>
+                  <a:schemeClr val="bg1"/>
+                </a:solidFill>
+                <a:cs typeface="Miriam Fixed" panose="020B0509050101010101" pitchFamily="49" charset="-79"/>
+              </a:rPr>
+              <a:t>package_name</a:t>
+            </a:r>
+            <a:r>
+              <a:rPr lang="en-GB" dirty="0">
+                <a:solidFill>
+                  <a:schemeClr val="bg1"/>
+                </a:solidFill>
+                <a:cs typeface="Miriam Fixed" panose="020B0509050101010101" pitchFamily="49" charset="-79"/>
+              </a:rPr>
+              <a:t>&gt; </a:t>
+            </a:r>
+            <a:endParaRPr lang="en-GB" dirty="0">
+              <a:solidFill>
+                <a:schemeClr val="bg1"/>
+              </a:solidFill>
+              <a:latin typeface="Miriam Fixed" panose="020B0509050101010101" pitchFamily="49" charset="-79"/>
+              <a:cs typeface="Miriam Fixed" panose="020B0509050101010101" pitchFamily="49" charset="-79"/>
+            </a:endParaRPr>
+          </a:p>
+          <a:p>
+            <a:pPr marL="0" indent="0">
+              <a:buNone/>
+            </a:pPr>
+            <a:r>
+              <a:rPr lang="en-GB" dirty="0">
+                <a:solidFill>
+                  <a:schemeClr val="bg1"/>
+                </a:solidFill>
+                <a:latin typeface="Miriam Fixed" panose="020B0509050101010101" pitchFamily="49" charset="-79"/>
+                <a:cs typeface="Miriam Fixed" panose="020B0509050101010101" pitchFamily="49" charset="-79"/>
+              </a:rPr>
+              <a:t>pip install &lt;</a:t>
+            </a:r>
+            <a:r>
+              <a:rPr lang="en-GB" dirty="0" err="1">
+                <a:solidFill>
+                  <a:schemeClr val="bg1"/>
+                </a:solidFill>
+                <a:latin typeface="Miriam Fixed" panose="020B0509050101010101" pitchFamily="49" charset="-79"/>
+                <a:cs typeface="Miriam Fixed" panose="020B0509050101010101" pitchFamily="49" charset="-79"/>
+              </a:rPr>
+              <a:t>package_name</a:t>
+            </a:r>
+            <a:r>
+              <a:rPr lang="en-GB" dirty="0">
+                <a:solidFill>
+                  <a:schemeClr val="bg1"/>
+                </a:solidFill>
+                <a:latin typeface="Miriam Fixed" panose="020B0509050101010101" pitchFamily="49" charset="-79"/>
+                <a:cs typeface="Miriam Fixed" panose="020B0509050101010101" pitchFamily="49" charset="-79"/>
+              </a:rPr>
+              <a:t>&gt;==&lt;version&gt;</a:t>
+            </a:r>
+          </a:p>
+          <a:p>
+            <a:pPr marL="0" indent="0">
+              <a:buNone/>
+            </a:pPr>
+            <a:r>
+              <a:rPr lang="en-GB" dirty="0">
+                <a:solidFill>
+                  <a:schemeClr val="bg1"/>
+                </a:solidFill>
+                <a:latin typeface="Miriam Fixed" panose="020B0509050101010101" pitchFamily="49" charset="-79"/>
+                <a:cs typeface="Miriam Fixed" panose="020B0509050101010101" pitchFamily="49" charset="-79"/>
+              </a:rPr>
+              <a:t>pip uninstall &lt;</a:t>
+            </a:r>
+            <a:r>
+              <a:rPr lang="en-GB" dirty="0" err="1">
+                <a:solidFill>
+                  <a:schemeClr val="bg1"/>
+                </a:solidFill>
+                <a:latin typeface="Miriam Fixed" panose="020B0509050101010101" pitchFamily="49" charset="-79"/>
+                <a:cs typeface="Miriam Fixed" panose="020B0509050101010101" pitchFamily="49" charset="-79"/>
+              </a:rPr>
+              <a:t>package_name</a:t>
+            </a:r>
+            <a:r>
+              <a:rPr lang="en-GB" dirty="0">
+                <a:solidFill>
+                  <a:schemeClr val="bg1"/>
+                </a:solidFill>
+                <a:latin typeface="Miriam Fixed" panose="020B0509050101010101" pitchFamily="49" charset="-79"/>
+                <a:cs typeface="Miriam Fixed" panose="020B0509050101010101" pitchFamily="49" charset="-79"/>
+              </a:rPr>
+              <a:t>&gt; </a:t>
+            </a:r>
+            <a:r>
+              <a:rPr lang="en-GB" dirty="0">
+                <a:solidFill>
+                  <a:schemeClr val="bg1"/>
+                </a:solidFill>
+                <a:cs typeface="Miriam Fixed" panose="020B0509050101010101" pitchFamily="49" charset="-79"/>
+              </a:rPr>
+              <a:t># uninstall &lt;</a:t>
+            </a:r>
+            <a:r>
+              <a:rPr lang="en-GB" dirty="0" err="1">
+                <a:solidFill>
+                  <a:schemeClr val="bg1"/>
+                </a:solidFill>
+                <a:cs typeface="Miriam Fixed" panose="020B0509050101010101" pitchFamily="49" charset="-79"/>
+              </a:rPr>
+              <a:t>package_name</a:t>
+            </a:r>
+            <a:r>
+              <a:rPr lang="en-GB" dirty="0">
+                <a:solidFill>
+                  <a:schemeClr val="bg1"/>
+                </a:solidFill>
+                <a:cs typeface="Miriam Fixed" panose="020B0509050101010101" pitchFamily="49" charset="-79"/>
+              </a:rPr>
+              <a:t>&gt; </a:t>
+            </a:r>
+            <a:endParaRPr lang="en-GB" dirty="0">
+              <a:solidFill>
+                <a:schemeClr val="bg1"/>
+              </a:solidFill>
+              <a:latin typeface="Miriam Fixed" panose="020B0509050101010101" pitchFamily="49" charset="-79"/>
+              <a:cs typeface="Miriam Fixed" panose="020B0509050101010101" pitchFamily="49" charset="-79"/>
+            </a:endParaRPr>
           </a:p>
         </p:txBody>
       </p:sp>
     </p:spTree>
     <p:extLst>
       <p:ext uri="{BB962C8B-B14F-4D97-AF65-F5344CB8AC3E}">
-        <p14:creationId xmlns:p14="http://schemas.microsoft.com/office/powerpoint/2010/main" val="1910346733"/>
+        <p14:creationId xmlns:p14="http://schemas.microsoft.com/office/powerpoint/2010/main" val="2674404150"/>
       </p:ext>
     </p:extLst>
   </p:cSld>
@@ -4032,7 +4339,7 @@
           <p:cNvPr id="2" name="Title 1">
             <a:extLst>
               <a:ext uri="{FF2B5EF4-FFF2-40B4-BE49-F238E27FC236}">
-                <a16:creationId xmlns:a16="http://schemas.microsoft.com/office/drawing/2014/main" id="{7C187530-5060-B444-4B96-18889AE3E2C3}"/>
+                <a16:creationId xmlns:a16="http://schemas.microsoft.com/office/drawing/2014/main" id="{51AD337B-A120-7BF5-5190-46E97D015F43}"/>
               </a:ext>
             </a:extLst>
           </p:cNvPr>
@@ -4054,17 +4361,17 @@
                   <a:schemeClr val="bg1"/>
                 </a:solidFill>
               </a:rPr>
-              <a:t>pip</a:t>
-            </a:r>
-          </a:p>
-        </p:txBody>
-      </p:sp>
-      <p:sp>
-        <p:nvSpPr>
-          <p:cNvPr id="5" name="Content Placeholder 2">
-            <a:extLst>
-              <a:ext uri="{FF2B5EF4-FFF2-40B4-BE49-F238E27FC236}">
-                <a16:creationId xmlns:a16="http://schemas.microsoft.com/office/drawing/2014/main" id="{3BA9FBFE-3597-A618-864E-C2911E8F3419}"/>
+              <a:t>Make package editeble </a:t>
+            </a:r>
+          </a:p>
+        </p:txBody>
+      </p:sp>
+      <p:sp>
+        <p:nvSpPr>
+          <p:cNvPr id="3" name="Content Placeholder 2">
+            <a:extLst>
+              <a:ext uri="{FF2B5EF4-FFF2-40B4-BE49-F238E27FC236}">
+                <a16:creationId xmlns:a16="http://schemas.microsoft.com/office/drawing/2014/main" id="{404A156B-CD69-CA16-FA29-8BA4D770D02B}"/>
               </a:ext>
             </a:extLst>
           </p:cNvPr>
@@ -4075,15 +4382,10 @@
             <p:ph idx="1"/>
           </p:nvPr>
         </p:nvSpPr>
-        <p:spPr>
-          <a:xfrm>
-            <a:off x="838200" y="1825625"/>
-            <a:ext cx="10515600" cy="4351338"/>
-          </a:xfrm>
-        </p:spPr>
+        <p:spPr/>
         <p:txBody>
           <a:bodyPr>
-            <a:normAutofit lnSpcReduction="10000"/>
+            <a:normAutofit/>
           </a:bodyPr>
           <a:lstStyle/>
           <a:p>
@@ -4092,49 +4394,49 @@
                 <a:solidFill>
                   <a:schemeClr val="bg1"/>
                 </a:solidFill>
-              </a:rPr>
-              <a:t>pip is a package manager for Python packages</a:t>
-            </a:r>
-          </a:p>
-          <a:p>
-            <a:pPr marL="0" indent="0">
-              <a:buNone/>
-            </a:pPr>
+                <a:latin typeface="ui-monospace"/>
+              </a:rPr>
+              <a:t>I</a:t>
+            </a:r>
+            <a:r>
+              <a:rPr lang="en-GB" b="0" i="0" u="none" strike="noStrike" dirty="0">
+                <a:solidFill>
+                  <a:schemeClr val="bg1"/>
+                </a:solidFill>
+                <a:effectLst/>
+                <a:latin typeface="ui-monospace"/>
+              </a:rPr>
+              <a:t>nstall your project in “editable” or “develop” mode while you’re working on it.</a:t>
+            </a:r>
             <a:endParaRPr lang="en-GB" dirty="0">
               <a:solidFill>
                 <a:schemeClr val="bg1"/>
               </a:solidFill>
+              <a:latin typeface="ui-monospace"/>
             </a:endParaRPr>
+          </a:p>
+          <a:p>
+            <a:r>
+              <a:rPr lang="en-GB" b="0" i="0" u="none" strike="noStrike" dirty="0">
+                <a:solidFill>
+                  <a:schemeClr val="bg1"/>
+                </a:solidFill>
+                <a:effectLst/>
+                <a:latin typeface="ui-monospace"/>
+              </a:rPr>
+              <a:t>This will just link the package to the original location, basically meaning any changes to the original package would reflect directly in your environment.</a:t>
+            </a:r>
           </a:p>
           <a:p>
             <a:pPr marL="0" indent="0">
               <a:buNone/>
             </a:pPr>
-            <a:r>
-              <a:rPr lang="en-GB" dirty="0">
-                <a:solidFill>
-                  <a:schemeClr val="bg1"/>
-                </a:solidFill>
-                <a:latin typeface="Miriam Fixed" panose="020B0509050101010101" pitchFamily="49" charset="-79"/>
-                <a:cs typeface="Miriam Fixed" panose="020B0509050101010101" pitchFamily="49" charset="-79"/>
-              </a:rPr>
-              <a:t>pip --version </a:t>
-            </a:r>
-            <a:r>
-              <a:rPr lang="en-GB" dirty="0">
-                <a:solidFill>
-                  <a:schemeClr val="bg1"/>
-                </a:solidFill>
-                <a:cs typeface="Miriam Fixed" panose="020B0509050101010101" pitchFamily="49" charset="-79"/>
-              </a:rPr>
-              <a:t># pip version installed</a:t>
-            </a:r>
-            <a:endParaRPr lang="en-GB" dirty="0">
+            <a:endParaRPr lang="en-GB" b="0" i="0" u="none" strike="noStrike" dirty="0">
               <a:solidFill>
                 <a:schemeClr val="bg1"/>
               </a:solidFill>
-              <a:latin typeface="Miriam Fixed" panose="020B0509050101010101" pitchFamily="49" charset="-79"/>
-              <a:cs typeface="Miriam Fixed" panose="020B0509050101010101" pitchFamily="49" charset="-79"/>
+              <a:effectLst/>
+              <a:latin typeface="ui-monospace"/>
             </a:endParaRPr>
           </a:p>
           <a:p>
@@ -4142,285 +4444,35 @@
               <a:buNone/>
             </a:pPr>
             <a:r>
-              <a:rPr lang="en-GB" dirty="0">
-                <a:solidFill>
-                  <a:schemeClr val="bg1"/>
-                </a:solidFill>
+              <a:rPr lang="en-GB" b="0" i="0" u="none" strike="noStrike" dirty="0">
+                <a:solidFill>
+                  <a:schemeClr val="bg1"/>
+                </a:solidFill>
+                <a:effectLst/>
                 <a:latin typeface="Miriam Fixed" panose="020B0509050101010101" pitchFamily="49" charset="-79"/>
                 <a:cs typeface="Miriam Fixed" panose="020B0509050101010101" pitchFamily="49" charset="-79"/>
               </a:rPr>
-              <a:t>pip --upgrade &lt;</a:t>
-            </a:r>
-            <a:r>
-              <a:rPr lang="en-GB" dirty="0" err="1">
-                <a:solidFill>
-                  <a:schemeClr val="bg1"/>
-                </a:solidFill>
-                <a:latin typeface="Miriam Fixed" panose="020B0509050101010101" pitchFamily="49" charset="-79"/>
-                <a:cs typeface="Miriam Fixed" panose="020B0509050101010101" pitchFamily="49" charset="-79"/>
-              </a:rPr>
-              <a:t>package_name</a:t>
-            </a:r>
-            <a:r>
-              <a:rPr lang="en-GB" dirty="0">
-                <a:solidFill>
-                  <a:schemeClr val="bg1"/>
-                </a:solidFill>
-                <a:latin typeface="Miriam Fixed" panose="020B0509050101010101" pitchFamily="49" charset="-79"/>
-                <a:cs typeface="Miriam Fixed" panose="020B0509050101010101" pitchFamily="49" charset="-79"/>
-              </a:rPr>
-              <a:t>&gt; </a:t>
-            </a:r>
-            <a:r>
-              <a:rPr lang="en-GB" dirty="0">
-                <a:solidFill>
-                  <a:schemeClr val="bg1"/>
-                </a:solidFill>
-                <a:cs typeface="Miriam Fixed" panose="020B0509050101010101" pitchFamily="49" charset="-79"/>
-              </a:rPr>
-              <a:t># update package</a:t>
-            </a:r>
-            <a:endParaRPr lang="en-GB" dirty="0">
+              <a:t>pip install -e . </a:t>
+            </a:r>
+          </a:p>
+          <a:p>
+            <a:pPr marL="0" indent="0">
+              <a:buNone/>
+            </a:pPr>
+            <a:r>
+              <a:rPr lang="en-GB" b="0" i="0" u="none" strike="noStrike" dirty="0">
+                <a:solidFill>
+                  <a:schemeClr val="bg1"/>
+                </a:solidFill>
+                <a:effectLst/>
+                <a:latin typeface="ui-monospace"/>
+              </a:rPr>
+              <a:t># install the current directory (i.e. your project) in editable mode.</a:t>
+            </a:r>
+            <a:endParaRPr lang="en-NO" dirty="0">
               <a:solidFill>
                 <a:schemeClr val="bg1"/>
               </a:solidFill>
-              <a:latin typeface="Miriam Fixed" panose="020B0509050101010101" pitchFamily="49" charset="-79"/>
-              <a:cs typeface="Miriam Fixed" panose="020B0509050101010101" pitchFamily="49" charset="-79"/>
-            </a:endParaRPr>
-          </a:p>
-          <a:p>
-            <a:pPr marL="0" indent="0">
-              <a:buNone/>
-            </a:pPr>
-            <a:r>
-              <a:rPr lang="en-GB" dirty="0">
-                <a:solidFill>
-                  <a:schemeClr val="bg1"/>
-                </a:solidFill>
-                <a:latin typeface="Miriam Fixed" panose="020B0509050101010101" pitchFamily="49" charset="-79"/>
-                <a:cs typeface="Miriam Fixed" panose="020B0509050101010101" pitchFamily="49" charset="-79"/>
-              </a:rPr>
-              <a:t>pip list </a:t>
-            </a:r>
-            <a:r>
-              <a:rPr lang="en-GB" dirty="0">
-                <a:solidFill>
-                  <a:schemeClr val="bg1"/>
-                </a:solidFill>
-                <a:cs typeface="Miriam Fixed" panose="020B0509050101010101" pitchFamily="49" charset="-79"/>
-              </a:rPr>
-              <a:t># list installed packages</a:t>
-            </a:r>
-            <a:endParaRPr lang="en-GB" dirty="0">
-              <a:solidFill>
-                <a:schemeClr val="bg1"/>
-              </a:solidFill>
-              <a:latin typeface="Miriam Fixed" panose="020B0509050101010101" pitchFamily="49" charset="-79"/>
-              <a:cs typeface="Miriam Fixed" panose="020B0509050101010101" pitchFamily="49" charset="-79"/>
-            </a:endParaRPr>
-          </a:p>
-          <a:p>
-            <a:pPr marL="0" indent="0">
-              <a:buNone/>
-            </a:pPr>
-            <a:r>
-              <a:rPr lang="en-GB" dirty="0">
-                <a:solidFill>
-                  <a:schemeClr val="bg1"/>
-                </a:solidFill>
-                <a:latin typeface="Miriam Fixed" panose="020B0509050101010101" pitchFamily="49" charset="-79"/>
-                <a:cs typeface="Miriam Fixed" panose="020B0509050101010101" pitchFamily="49" charset="-79"/>
-              </a:rPr>
-              <a:t>pip list --outdated </a:t>
-            </a:r>
-            <a:r>
-              <a:rPr lang="en-GB" dirty="0">
-                <a:solidFill>
-                  <a:schemeClr val="bg1"/>
-                </a:solidFill>
-                <a:cs typeface="Miriam Fixed" panose="020B0509050101010101" pitchFamily="49" charset="-79"/>
-              </a:rPr>
-              <a:t># list outdated packages</a:t>
-            </a:r>
-            <a:endParaRPr lang="en-GB" dirty="0">
-              <a:solidFill>
-                <a:schemeClr val="bg1"/>
-              </a:solidFill>
-              <a:latin typeface="Miriam Fixed" panose="020B0509050101010101" pitchFamily="49" charset="-79"/>
-              <a:cs typeface="Miriam Fixed" panose="020B0509050101010101" pitchFamily="49" charset="-79"/>
-            </a:endParaRPr>
-          </a:p>
-          <a:p>
-            <a:pPr marL="0" indent="0">
-              <a:buNone/>
-            </a:pPr>
-            <a:r>
-              <a:rPr lang="en-GB" dirty="0">
-                <a:solidFill>
-                  <a:schemeClr val="bg1"/>
-                </a:solidFill>
-                <a:latin typeface="Miriam Fixed" panose="020B0509050101010101" pitchFamily="49" charset="-79"/>
-                <a:cs typeface="Miriam Fixed" panose="020B0509050101010101" pitchFamily="49" charset="-79"/>
-              </a:rPr>
-              <a:t>pip install &lt;</a:t>
-            </a:r>
-            <a:r>
-              <a:rPr lang="en-GB" dirty="0" err="1">
-                <a:solidFill>
-                  <a:schemeClr val="bg1"/>
-                </a:solidFill>
-                <a:latin typeface="Miriam Fixed" panose="020B0509050101010101" pitchFamily="49" charset="-79"/>
-                <a:cs typeface="Miriam Fixed" panose="020B0509050101010101" pitchFamily="49" charset="-79"/>
-              </a:rPr>
-              <a:t>package_name</a:t>
-            </a:r>
-            <a:r>
-              <a:rPr lang="en-GB" dirty="0">
-                <a:solidFill>
-                  <a:schemeClr val="bg1"/>
-                </a:solidFill>
-                <a:latin typeface="Miriam Fixed" panose="020B0509050101010101" pitchFamily="49" charset="-79"/>
-                <a:cs typeface="Miriam Fixed" panose="020B0509050101010101" pitchFamily="49" charset="-79"/>
-              </a:rPr>
-              <a:t>&gt; </a:t>
-            </a:r>
-            <a:r>
-              <a:rPr lang="en-GB" dirty="0">
-                <a:solidFill>
-                  <a:schemeClr val="bg1"/>
-                </a:solidFill>
-                <a:cs typeface="Miriam Fixed" panose="020B0509050101010101" pitchFamily="49" charset="-79"/>
-              </a:rPr>
-              <a:t># install &lt;</a:t>
-            </a:r>
-            <a:r>
-              <a:rPr lang="en-GB" dirty="0" err="1">
-                <a:solidFill>
-                  <a:schemeClr val="bg1"/>
-                </a:solidFill>
-                <a:cs typeface="Miriam Fixed" panose="020B0509050101010101" pitchFamily="49" charset="-79"/>
-              </a:rPr>
-              <a:t>package_name</a:t>
-            </a:r>
-            <a:r>
-              <a:rPr lang="en-GB" dirty="0">
-                <a:solidFill>
-                  <a:schemeClr val="bg1"/>
-                </a:solidFill>
-                <a:cs typeface="Miriam Fixed" panose="020B0509050101010101" pitchFamily="49" charset="-79"/>
-              </a:rPr>
-              <a:t>&gt; </a:t>
-            </a:r>
-            <a:endParaRPr lang="en-GB" dirty="0">
-              <a:solidFill>
-                <a:schemeClr val="bg1"/>
-              </a:solidFill>
-              <a:latin typeface="Miriam Fixed" panose="020B0509050101010101" pitchFamily="49" charset="-79"/>
-              <a:cs typeface="Miriam Fixed" panose="020B0509050101010101" pitchFamily="49" charset="-79"/>
-            </a:endParaRPr>
-          </a:p>
-          <a:p>
-            <a:pPr marL="0" indent="0">
-              <a:buNone/>
-            </a:pPr>
-            <a:r>
-              <a:rPr lang="en-GB" dirty="0">
-                <a:solidFill>
-                  <a:schemeClr val="bg1"/>
-                </a:solidFill>
-                <a:latin typeface="Miriam Fixed" panose="020B0509050101010101" pitchFamily="49" charset="-79"/>
-                <a:cs typeface="Miriam Fixed" panose="020B0509050101010101" pitchFamily="49" charset="-79"/>
-              </a:rPr>
-              <a:t>pip install &lt;</a:t>
-            </a:r>
-            <a:r>
-              <a:rPr lang="en-GB" dirty="0" err="1">
-                <a:solidFill>
-                  <a:schemeClr val="bg1"/>
-                </a:solidFill>
-                <a:latin typeface="Miriam Fixed" panose="020B0509050101010101" pitchFamily="49" charset="-79"/>
-                <a:cs typeface="Miriam Fixed" panose="020B0509050101010101" pitchFamily="49" charset="-79"/>
-              </a:rPr>
-              <a:t>package_name</a:t>
-            </a:r>
-            <a:r>
-              <a:rPr lang="en-GB" dirty="0">
-                <a:solidFill>
-                  <a:schemeClr val="bg1"/>
-                </a:solidFill>
-                <a:latin typeface="Miriam Fixed" panose="020B0509050101010101" pitchFamily="49" charset="-79"/>
-                <a:cs typeface="Miriam Fixed" panose="020B0509050101010101" pitchFamily="49" charset="-79"/>
-              </a:rPr>
-              <a:t>&gt;==&lt;version&gt;</a:t>
-            </a:r>
-          </a:p>
-          <a:p>
-            <a:pPr marL="0" indent="0">
-              <a:buNone/>
-            </a:pPr>
-            <a:r>
-              <a:rPr lang="en-GB" dirty="0">
-                <a:solidFill>
-                  <a:schemeClr val="bg1"/>
-                </a:solidFill>
-                <a:latin typeface="Miriam Fixed" panose="020B0509050101010101" pitchFamily="49" charset="-79"/>
-                <a:cs typeface="Miriam Fixed" panose="020B0509050101010101" pitchFamily="49" charset="-79"/>
-              </a:rPr>
-              <a:t>pip uninstall &lt;</a:t>
-            </a:r>
-            <a:r>
-              <a:rPr lang="en-GB" dirty="0" err="1">
-                <a:solidFill>
-                  <a:schemeClr val="bg1"/>
-                </a:solidFill>
-                <a:latin typeface="Miriam Fixed" panose="020B0509050101010101" pitchFamily="49" charset="-79"/>
-                <a:cs typeface="Miriam Fixed" panose="020B0509050101010101" pitchFamily="49" charset="-79"/>
-              </a:rPr>
-              <a:t>package_name</a:t>
-            </a:r>
-            <a:r>
-              <a:rPr lang="en-GB" dirty="0">
-                <a:solidFill>
-                  <a:schemeClr val="bg1"/>
-                </a:solidFill>
-                <a:latin typeface="Miriam Fixed" panose="020B0509050101010101" pitchFamily="49" charset="-79"/>
-                <a:cs typeface="Miriam Fixed" panose="020B0509050101010101" pitchFamily="49" charset="-79"/>
-              </a:rPr>
-              <a:t>&gt; </a:t>
-            </a:r>
-            <a:r>
-              <a:rPr lang="en-GB" dirty="0">
-                <a:solidFill>
-                  <a:schemeClr val="bg1"/>
-                </a:solidFill>
-                <a:cs typeface="Miriam Fixed" panose="020B0509050101010101" pitchFamily="49" charset="-79"/>
-              </a:rPr>
-              <a:t># uninstall &lt;</a:t>
-            </a:r>
-            <a:r>
-              <a:rPr lang="en-GB" dirty="0" err="1">
-                <a:solidFill>
-                  <a:schemeClr val="bg1"/>
-                </a:solidFill>
-                <a:cs typeface="Miriam Fixed" panose="020B0509050101010101" pitchFamily="49" charset="-79"/>
-              </a:rPr>
-              <a:t>package_name</a:t>
-            </a:r>
-            <a:r>
-              <a:rPr lang="en-GB" dirty="0">
-                <a:solidFill>
-                  <a:schemeClr val="bg1"/>
-                </a:solidFill>
-                <a:cs typeface="Miriam Fixed" panose="020B0509050101010101" pitchFamily="49" charset="-79"/>
-              </a:rPr>
-              <a:t>&gt; </a:t>
-            </a:r>
-            <a:endParaRPr lang="en-GB" dirty="0">
-              <a:solidFill>
-                <a:schemeClr val="bg1"/>
-              </a:solidFill>
-              <a:latin typeface="Miriam Fixed" panose="020B0509050101010101" pitchFamily="49" charset="-79"/>
-              <a:cs typeface="Miriam Fixed" panose="020B0509050101010101" pitchFamily="49" charset="-79"/>
             </a:endParaRPr>
           </a:p>
         </p:txBody>
@@ -4428,7 +4480,7 @@
     </p:spTree>
     <p:extLst>
       <p:ext uri="{BB962C8B-B14F-4D97-AF65-F5344CB8AC3E}">
-        <p14:creationId xmlns:p14="http://schemas.microsoft.com/office/powerpoint/2010/main" val="2674404150"/>
+        <p14:creationId xmlns:p14="http://schemas.microsoft.com/office/powerpoint/2010/main" val="1146592076"/>
       </p:ext>
     </p:extLst>
   </p:cSld>
@@ -5610,6 +5662,152 @@
           <p:cNvPr id="2" name="Title 1">
             <a:extLst>
               <a:ext uri="{FF2B5EF4-FFF2-40B4-BE49-F238E27FC236}">
+                <a16:creationId xmlns:a16="http://schemas.microsoft.com/office/drawing/2014/main" id="{103FEE84-A695-00B8-1475-3B77C1EF86BC}"/>
+              </a:ext>
+            </a:extLst>
+          </p:cNvPr>
+          <p:cNvSpPr>
+            <a:spLocks noGrp="1"/>
+          </p:cNvSpPr>
+          <p:nvPr>
+            <p:ph type="title"/>
+          </p:nvPr>
+        </p:nvSpPr>
+        <p:spPr>
+          <a:noFill/>
+        </p:spPr>
+        <p:txBody>
+          <a:bodyPr/>
+          <a:lstStyle/>
+          <a:p>
+            <a:r>
+              <a:rPr lang="en-GB" dirty="0">
+                <a:solidFill>
+                  <a:schemeClr val="bg1"/>
+                </a:solidFill>
+              </a:rPr>
+              <a:t>build-</a:t>
+            </a:r>
+            <a:r>
+              <a:rPr lang="en-GB" dirty="0" err="1">
+                <a:solidFill>
+                  <a:schemeClr val="bg1"/>
+                </a:solidFill>
+              </a:rPr>
+              <a:t>system.requires</a:t>
+            </a:r>
+            <a:r>
+              <a:rPr lang="en-GB" dirty="0">
+                <a:solidFill>
+                  <a:schemeClr val="bg1"/>
+                </a:solidFill>
+              </a:rPr>
+              <a:t> vs </a:t>
+            </a:r>
+            <a:r>
+              <a:rPr lang="en-GB" dirty="0" err="1">
+                <a:solidFill>
+                  <a:schemeClr val="bg1"/>
+                </a:solidFill>
+              </a:rPr>
+              <a:t>project.dependencies</a:t>
+            </a:r>
+            <a:r>
+              <a:rPr lang="en-GB" dirty="0">
+                <a:solidFill>
+                  <a:schemeClr val="bg1"/>
+                </a:solidFill>
+              </a:rPr>
+              <a:t> </a:t>
+            </a:r>
+            <a:endParaRPr lang="en-NO" dirty="0">
+              <a:solidFill>
+                <a:schemeClr val="bg1"/>
+              </a:solidFill>
+            </a:endParaRPr>
+          </a:p>
+        </p:txBody>
+      </p:sp>
+      <p:sp>
+        <p:nvSpPr>
+          <p:cNvPr id="3" name="Content Placeholder 2">
+            <a:extLst>
+              <a:ext uri="{FF2B5EF4-FFF2-40B4-BE49-F238E27FC236}">
+                <a16:creationId xmlns:a16="http://schemas.microsoft.com/office/drawing/2014/main" id="{F9C5D586-5144-F579-63F5-286B19C52921}"/>
+              </a:ext>
+            </a:extLst>
+          </p:cNvPr>
+          <p:cNvSpPr>
+            <a:spLocks noGrp="1"/>
+          </p:cNvSpPr>
+          <p:nvPr>
+            <p:ph idx="1"/>
+          </p:nvPr>
+        </p:nvSpPr>
+        <p:spPr/>
+        <p:txBody>
+          <a:bodyPr/>
+          <a:lstStyle/>
+          <a:p>
+            <a:r>
+              <a:rPr lang="en-GB">
+                <a:solidFill>
+                  <a:schemeClr val="bg1"/>
+                </a:solidFill>
+              </a:rPr>
+              <a:t>TODO</a:t>
+            </a:r>
+            <a:endParaRPr lang="en-NO" dirty="0">
+              <a:solidFill>
+                <a:schemeClr val="bg1"/>
+              </a:solidFill>
+            </a:endParaRPr>
+          </a:p>
+        </p:txBody>
+      </p:sp>
+    </p:spTree>
+    <p:extLst>
+      <p:ext uri="{BB962C8B-B14F-4D97-AF65-F5344CB8AC3E}">
+        <p14:creationId xmlns:p14="http://schemas.microsoft.com/office/powerpoint/2010/main" val="3117873838"/>
+      </p:ext>
+    </p:extLst>
+  </p:cSld>
+  <p:clrMapOvr>
+    <a:masterClrMapping/>
+  </p:clrMapOvr>
+</p:sld>
+</file>
+
+<file path=ppt/slides/slide19.xml><?xml version="1.0" encoding="utf-8"?>
+<p:sld xmlns:a="http://schemas.openxmlformats.org/drawingml/2006/main" xmlns:r="http://schemas.openxmlformats.org/officeDocument/2006/relationships" xmlns:p="http://schemas.openxmlformats.org/presentationml/2006/main">
+  <p:cSld>
+    <p:bg>
+      <p:bgPr>
+        <a:solidFill>
+          <a:srgbClr val="282C33"/>
+        </a:solidFill>
+        <a:effectLst/>
+      </p:bgPr>
+    </p:bg>
+    <p:spTree>
+      <p:nvGrpSpPr>
+        <p:cNvPr id="1" name=""/>
+        <p:cNvGrpSpPr/>
+        <p:nvPr/>
+      </p:nvGrpSpPr>
+      <p:grpSpPr>
+        <a:xfrm>
+          <a:off x="0" y="0"/>
+          <a:ext cx="0" cy="0"/>
+          <a:chOff x="0" y="0"/>
+          <a:chExt cx="0" cy="0"/>
+        </a:xfrm>
+      </p:grpSpPr>
+      <p:sp>
+        <p:nvSpPr>
+          <p:cNvPr id="2" name="Title 1">
+            <a:extLst>
+              <a:ext uri="{FF2B5EF4-FFF2-40B4-BE49-F238E27FC236}">
                 <a16:creationId xmlns:a16="http://schemas.microsoft.com/office/drawing/2014/main" id="{87E08D97-6046-6890-B3E0-95E43E335E9D}"/>
               </a:ext>
             </a:extLst>
@@ -5632,7 +5830,7 @@
                   <a:schemeClr val="bg1"/>
                 </a:solidFill>
               </a:rPr>
-              <a:t>How to make a more pretty README.md</a:t>
+              <a:t>How to make a more readable README.md</a:t>
             </a:r>
           </a:p>
         </p:txBody>
@@ -6455,7 +6653,7 @@
           <p:cNvPr id="2" name="Title 1">
             <a:extLst>
               <a:ext uri="{FF2B5EF4-FFF2-40B4-BE49-F238E27FC236}">
-                <a16:creationId xmlns:a16="http://schemas.microsoft.com/office/drawing/2014/main" id="{C37B8788-7837-D8B1-7070-8A03456B6826}"/>
+                <a16:creationId xmlns:a16="http://schemas.microsoft.com/office/drawing/2014/main" id="{0CC33F2A-BD80-A872-35BE-2CAC4C7E0960}"/>
               </a:ext>
             </a:extLst>
           </p:cNvPr>
@@ -6478,6 +6676,91 @@
                 </a:solidFill>
               </a:rPr>
               <a:t>Python package</a:t>
+            </a:r>
+            <a:endParaRPr lang="en-NO" dirty="0"/>
+          </a:p>
+        </p:txBody>
+      </p:sp>
+      <p:sp>
+        <p:nvSpPr>
+          <p:cNvPr id="3" name="Content Placeholder 2">
+            <a:extLst>
+              <a:ext uri="{FF2B5EF4-FFF2-40B4-BE49-F238E27FC236}">
+                <a16:creationId xmlns:a16="http://schemas.microsoft.com/office/drawing/2014/main" id="{285C6760-C20D-A3A1-8C10-75779F50E3A2}"/>
+              </a:ext>
+            </a:extLst>
+          </p:cNvPr>
+          <p:cNvSpPr>
+            <a:spLocks noGrp="1"/>
+          </p:cNvSpPr>
+          <p:nvPr>
+            <p:ph idx="1"/>
+          </p:nvPr>
+        </p:nvSpPr>
+        <p:spPr/>
+        <p:txBody>
+          <a:bodyPr/>
+          <a:lstStyle/>
+          <a:p>
+            <a:r>
+              <a:rPr lang="en-GB" dirty="0">
+                <a:solidFill>
+                  <a:schemeClr val="bg1"/>
+                </a:solidFill>
+              </a:rPr>
+              <a:t>Packages are a way of structuring Python’s module namespace by using “dotted module names”. </a:t>
+            </a:r>
+          </a:p>
+          <a:p>
+            <a:r>
+              <a:rPr lang="en-GB" dirty="0">
+                <a:solidFill>
+                  <a:schemeClr val="bg1"/>
+                </a:solidFill>
+              </a:rPr>
+              <a:t>For example, the module name </a:t>
+            </a:r>
+            <a:r>
+              <a:rPr lang="en-GB" dirty="0" err="1">
+                <a:solidFill>
+                  <a:schemeClr val="bg1"/>
+                </a:solidFill>
+              </a:rPr>
+              <a:t>matplotlib.pyplot</a:t>
+            </a:r>
+            <a:r>
+              <a:rPr lang="en-GB" dirty="0">
+                <a:solidFill>
+                  <a:schemeClr val="bg1"/>
+                </a:solidFill>
+              </a:rPr>
+              <a:t> designates a submodule named </a:t>
+            </a:r>
+            <a:r>
+              <a:rPr lang="en-GB" dirty="0" err="1">
+                <a:solidFill>
+                  <a:schemeClr val="bg1"/>
+                </a:solidFill>
+              </a:rPr>
+              <a:t>pyplot</a:t>
+            </a:r>
+            <a:r>
+              <a:rPr lang="en-GB" dirty="0">
+                <a:solidFill>
+                  <a:schemeClr val="bg1"/>
+                </a:solidFill>
+              </a:rPr>
+              <a:t> in a package named matplotlib. </a:t>
+            </a:r>
+          </a:p>
+          <a:p>
+            <a:r>
+              <a:rPr lang="en-GB" dirty="0">
+                <a:solidFill>
+                  <a:schemeClr val="bg1"/>
+                </a:solidFill>
+              </a:rPr>
+              <a:t>Just like the use of modules saves the authors of different modules from having to worry about each other’s global variable names, the use of dotted module names saves the authors of multi-module packages like NumPy or Pillow from having to worry about each other’s module names.</a:t>
             </a:r>
             <a:endParaRPr lang="en-NO" dirty="0">
               <a:solidFill>
@@ -6489,107 +6772,10 @@
       </p:sp>
       <p:sp>
         <p:nvSpPr>
-          <p:cNvPr id="3" name="Content Placeholder 2">
-            <a:extLst>
-              <a:ext uri="{FF2B5EF4-FFF2-40B4-BE49-F238E27FC236}">
-                <a16:creationId xmlns:a16="http://schemas.microsoft.com/office/drawing/2014/main" id="{6E741A01-24E6-8156-6B22-2C78C37BB498}"/>
-              </a:ext>
-            </a:extLst>
-          </p:cNvPr>
-          <p:cNvSpPr>
-            <a:spLocks noGrp="1"/>
-          </p:cNvSpPr>
-          <p:nvPr>
-            <p:ph idx="1"/>
-          </p:nvPr>
-        </p:nvSpPr>
-        <p:spPr/>
-        <p:txBody>
-          <a:bodyPr/>
-          <a:lstStyle/>
-          <a:p>
-            <a:r>
-              <a:rPr lang="en-GB" dirty="0">
-                <a:solidFill>
-                  <a:schemeClr val="bg1"/>
-                </a:solidFill>
-              </a:rPr>
-              <a:t>A module is a file consisting of Python code</a:t>
-            </a:r>
-          </a:p>
-          <a:p>
-            <a:r>
-              <a:rPr lang="en-GB" dirty="0">
-                <a:solidFill>
-                  <a:schemeClr val="bg1"/>
-                </a:solidFill>
-              </a:rPr>
-              <a:t>A module can define </a:t>
-            </a:r>
-          </a:p>
-          <a:p>
-            <a:pPr lvl="1"/>
-            <a:r>
-              <a:rPr lang="en-GB" dirty="0">
-                <a:solidFill>
-                  <a:schemeClr val="bg1"/>
-                </a:solidFill>
-              </a:rPr>
-              <a:t>Functions</a:t>
-            </a:r>
-          </a:p>
-          <a:p>
-            <a:pPr lvl="1"/>
-            <a:r>
-              <a:rPr lang="en-GB" dirty="0">
-                <a:solidFill>
-                  <a:schemeClr val="bg1"/>
-                </a:solidFill>
-              </a:rPr>
-              <a:t>Classes</a:t>
-            </a:r>
-          </a:p>
-          <a:p>
-            <a:pPr lvl="1"/>
-            <a:r>
-              <a:rPr lang="en-GB" dirty="0">
-                <a:solidFill>
-                  <a:schemeClr val="bg1"/>
-                </a:solidFill>
-              </a:rPr>
-              <a:t>Variables</a:t>
-            </a:r>
-          </a:p>
-          <a:p>
-            <a:r>
-              <a:rPr lang="en-GB" dirty="0">
-                <a:solidFill>
-                  <a:schemeClr val="bg1"/>
-                </a:solidFill>
-              </a:rPr>
-              <a:t>A module can also include runnable code</a:t>
-            </a:r>
-            <a:br>
-              <a:rPr lang="en-GB" dirty="0">
-                <a:solidFill>
-                  <a:schemeClr val="bg1"/>
-                </a:solidFill>
-              </a:rPr>
-            </a:br>
-            <a:endParaRPr lang="en-NO" dirty="0">
-              <a:solidFill>
-                <a:schemeClr val="bg1"/>
-              </a:solidFill>
-            </a:endParaRPr>
-          </a:p>
-        </p:txBody>
-      </p:sp>
-      <p:sp>
-        <p:nvSpPr>
-          <p:cNvPr id="5" name="TextBox 4">
-            <a:extLst>
-              <a:ext uri="{FF2B5EF4-FFF2-40B4-BE49-F238E27FC236}">
-                <a16:creationId xmlns:a16="http://schemas.microsoft.com/office/drawing/2014/main" id="{BE1F96B0-2611-D665-153C-401A8ADB2CA2}"/>
+          <p:cNvPr id="6" name="TextBox 5">
+            <a:extLst>
+              <a:ext uri="{FF2B5EF4-FFF2-40B4-BE49-F238E27FC236}">
+                <a16:creationId xmlns:a16="http://schemas.microsoft.com/office/drawing/2014/main" id="{B665687F-6033-1E0B-5C36-6CD9D00DF171}"/>
               </a:ext>
             </a:extLst>
           </p:cNvPr>
@@ -6598,8 +6784,8 @@
         </p:nvSpPr>
         <p:spPr>
           <a:xfrm>
-            <a:off x="2028497" y="6550223"/>
-            <a:ext cx="10237098" cy="307777"/>
+            <a:off x="8401923" y="6550223"/>
+            <a:ext cx="3790077" cy="307777"/>
           </a:xfrm>
           <a:prstGeom prst="rect">
             <a:avLst/>
@@ -6632,7 +6818,7 @@
                   </a:schemeClr>
                 </a:solidFill>
               </a:rPr>
-              <a:t>nbviewer.org</a:t>
+              <a:t>docs.python.org</a:t>
             </a:r>
             <a:r>
               <a:rPr lang="en-GB" sz="1400" dirty="0">
@@ -6643,7 +6829,7 @@
                   </a:schemeClr>
                 </a:solidFill>
               </a:rPr>
-              <a:t>/</a:t>
+              <a:t>/3/tutorial/</a:t>
             </a:r>
             <a:r>
               <a:rPr lang="en-GB" sz="1400" dirty="0" err="1">
@@ -6654,29 +6840,7 @@
                   </a:schemeClr>
                 </a:solidFill>
               </a:rPr>
-              <a:t>github</a:t>
-            </a:r>
-            <a:r>
-              <a:rPr lang="en-GB" sz="1400" dirty="0">
-                <a:solidFill>
-                  <a:schemeClr val="tx1">
-                    <a:lumMod val="50000"/>
-                    <a:lumOff val="50000"/>
-                  </a:schemeClr>
-                </a:solidFill>
-              </a:rPr>
-              <a:t>/UiO-IN3110/UiO-IN3110.github.io/blob/HEAD/lectures/03-python-part-2-fall22/</a:t>
-            </a:r>
-            <a:r>
-              <a:rPr lang="en-GB" sz="1400" dirty="0" err="1">
-                <a:solidFill>
-                  <a:schemeClr val="tx1">
-                    <a:lumMod val="50000"/>
-                    <a:lumOff val="50000"/>
-                  </a:schemeClr>
-                </a:solidFill>
-              </a:rPr>
-              <a:t>packages_and_testing.ipynb</a:t>
+              <a:t>modules.html</a:t>
             </a:r>
             <a:endParaRPr lang="en-NO" sz="1400" dirty="0">
               <a:solidFill>
@@ -6692,7 +6856,7 @@
     </p:spTree>
     <p:extLst>
       <p:ext uri="{BB962C8B-B14F-4D97-AF65-F5344CB8AC3E}">
-        <p14:creationId xmlns:p14="http://schemas.microsoft.com/office/powerpoint/2010/main" val="2034806720"/>
+        <p14:creationId xmlns:p14="http://schemas.microsoft.com/office/powerpoint/2010/main" val="1581655139"/>
       </p:ext>
     </p:extLst>
   </p:cSld>
@@ -6732,7 +6896,7 @@
           <p:cNvPr id="2" name="Title 1">
             <a:extLst>
               <a:ext uri="{FF2B5EF4-FFF2-40B4-BE49-F238E27FC236}">
-                <a16:creationId xmlns:a16="http://schemas.microsoft.com/office/drawing/2014/main" id="{0CC33F2A-BD80-A872-35BE-2CAC4C7E0960}"/>
+                <a16:creationId xmlns:a16="http://schemas.microsoft.com/office/drawing/2014/main" id="{7C187530-5060-B444-4B96-18889AE3E2C3}"/>
               </a:ext>
             </a:extLst>
           </p:cNvPr>
@@ -6749,14 +6913,29 @@
           <a:lstStyle/>
           <a:p>
             <a:r>
+              <a:rPr lang="en-NO" dirty="0">
+                <a:solidFill>
+                  <a:schemeClr val="bg1"/>
+                </a:solidFill>
+              </a:rPr>
+              <a:t>Why </a:t>
+            </a:r>
+            <a:r>
               <a:rPr lang="en-GB" dirty="0">
                 <a:solidFill>
                   <a:schemeClr val="bg1"/>
                 </a:solidFill>
               </a:rPr>
-              <a:t>Python package</a:t>
-            </a:r>
-            <a:endParaRPr lang="en-NO" dirty="0"/>
+              <a:t>Packages</a:t>
+            </a:r>
+            <a:r>
+              <a:rPr lang="en-NO" dirty="0">
+                <a:solidFill>
+                  <a:schemeClr val="bg1"/>
+                </a:solidFill>
+              </a:rPr>
+              <a:t>?</a:t>
+            </a:r>
           </a:p>
         </p:txBody>
       </p:sp>
@@ -6765,7 +6944,7 @@
           <p:cNvPr id="3" name="Content Placeholder 2">
             <a:extLst>
               <a:ext uri="{FF2B5EF4-FFF2-40B4-BE49-F238E27FC236}">
-                <a16:creationId xmlns:a16="http://schemas.microsoft.com/office/drawing/2014/main" id="{285C6760-C20D-A3A1-8C10-75779F50E3A2}"/>
+                <a16:creationId xmlns:a16="http://schemas.microsoft.com/office/drawing/2014/main" id="{8750FD65-B2E7-D53C-0F20-D3805B7E403F}"/>
               </a:ext>
             </a:extLst>
           </p:cNvPr>
@@ -6782,160 +6961,64 @@
           <a:lstStyle/>
           <a:p>
             <a:r>
-              <a:rPr lang="en-GB" dirty="0">
-                <a:solidFill>
-                  <a:schemeClr val="bg1"/>
-                </a:solidFill>
-              </a:rPr>
-              <a:t>Packages are a way of structuring Python’s module namespace by using “dotted module names”. </a:t>
-            </a:r>
-          </a:p>
-          <a:p>
-            <a:r>
-              <a:rPr lang="en-GB" dirty="0">
-                <a:solidFill>
-                  <a:schemeClr val="bg1"/>
-                </a:solidFill>
-              </a:rPr>
-              <a:t>For example, the module name </a:t>
-            </a:r>
-            <a:r>
-              <a:rPr lang="en-GB" dirty="0" err="1">
-                <a:solidFill>
-                  <a:schemeClr val="bg1"/>
-                </a:solidFill>
-              </a:rPr>
-              <a:t>matplotlib.pyplot</a:t>
-            </a:r>
-            <a:r>
-              <a:rPr lang="en-GB" dirty="0">
-                <a:solidFill>
-                  <a:schemeClr val="bg1"/>
-                </a:solidFill>
-              </a:rPr>
-              <a:t> designates a submodule named </a:t>
-            </a:r>
-            <a:r>
-              <a:rPr lang="en-GB" dirty="0" err="1">
-                <a:solidFill>
-                  <a:schemeClr val="bg1"/>
-                </a:solidFill>
-              </a:rPr>
-              <a:t>pyplot</a:t>
-            </a:r>
-            <a:r>
-              <a:rPr lang="en-GB" dirty="0">
-                <a:solidFill>
-                  <a:schemeClr val="bg1"/>
-                </a:solidFill>
-              </a:rPr>
-              <a:t> in a package named matplotlib. </a:t>
-            </a:r>
-          </a:p>
-          <a:p>
-            <a:r>
-              <a:rPr lang="en-GB" dirty="0">
-                <a:solidFill>
-                  <a:schemeClr val="bg1"/>
-                </a:solidFill>
-              </a:rPr>
-              <a:t>Just like the use of modules saves the authors of different modules from having to worry about each other’s global variable names, the use of dotted module names saves the authors of multi-module packages like NumPy or Pillow from having to worry about each other’s module names.</a:t>
-            </a:r>
-            <a:endParaRPr lang="en-NO" dirty="0">
-              <a:solidFill>
-                <a:schemeClr val="bg1"/>
-              </a:solidFill>
-            </a:endParaRPr>
-          </a:p>
-        </p:txBody>
-      </p:sp>
-      <p:sp>
-        <p:nvSpPr>
-          <p:cNvPr id="6" name="TextBox 5">
-            <a:extLst>
-              <a:ext uri="{FF2B5EF4-FFF2-40B4-BE49-F238E27FC236}">
-                <a16:creationId xmlns:a16="http://schemas.microsoft.com/office/drawing/2014/main" id="{B665687F-6033-1E0B-5C36-6CD9D00DF171}"/>
-              </a:ext>
-            </a:extLst>
-          </p:cNvPr>
-          <p:cNvSpPr txBox="1"/>
+              <a:rPr lang="en-GB" b="0" i="0" u="none" strike="noStrike" dirty="0">
+                <a:solidFill>
+                  <a:schemeClr val="bg1"/>
+                </a:solidFill>
+                <a:effectLst/>
+                <a:latin typeface="Helvetica Neue" panose="02000503000000020004" pitchFamily="2" charset="0"/>
+              </a:rPr>
+              <a:t>Packages allow to organize modules and scripts into single environment</a:t>
+            </a:r>
+          </a:p>
+          <a:p>
+            <a:r>
+              <a:rPr lang="en-GB" b="0" i="0" u="none" strike="noStrike" dirty="0">
+                <a:solidFill>
+                  <a:schemeClr val="bg1"/>
+                </a:solidFill>
+                <a:effectLst/>
+                <a:latin typeface="Helvetica Neue" panose="02000503000000020004" pitchFamily="2" charset="0"/>
+              </a:rPr>
+              <a:t>These can then easily be distributed and imported by name</a:t>
+            </a:r>
+          </a:p>
+        </p:txBody>
+      </p:sp>
+      <p:pic>
+        <p:nvPicPr>
+          <p:cNvPr id="8" name="Picture 7" descr="A screenshot of a computer&#10;&#10;Description automatically generated with medium confidence">
+            <a:extLst>
+              <a:ext uri="{FF2B5EF4-FFF2-40B4-BE49-F238E27FC236}">
+                <a16:creationId xmlns:a16="http://schemas.microsoft.com/office/drawing/2014/main" id="{BFA14E31-13D2-D17B-D9E8-EC6E41DBE8C0}"/>
+              </a:ext>
+            </a:extLst>
+          </p:cNvPr>
+          <p:cNvPicPr>
+            <a:picLocks noChangeAspect="1"/>
+          </p:cNvPicPr>
           <p:nvPr/>
-        </p:nvSpPr>
+        </p:nvPicPr>
+        <p:blipFill>
+          <a:blip r:embed="rId2"/>
+          <a:stretch>
+            <a:fillRect/>
+          </a:stretch>
+        </p:blipFill>
         <p:spPr>
           <a:xfrm>
-            <a:off x="8401923" y="6550223"/>
-            <a:ext cx="3790077" cy="307777"/>
+            <a:off x="3453285" y="3429000"/>
+            <a:ext cx="5285429" cy="2446958"/>
           </a:xfrm>
           <a:prstGeom prst="rect">
             <a:avLst/>
           </a:prstGeom>
-          <a:noFill/>
         </p:spPr>
-        <p:txBody>
-          <a:bodyPr wrap="none" rtlCol="0">
-            <a:spAutoFit/>
-          </a:bodyPr>
-          <a:lstStyle/>
-          <a:p>
-            <a:r>
-              <a:rPr lang="en-GB" sz="1400" dirty="0">
-                <a:solidFill>
-                  <a:schemeClr val="tx1">
-                    <a:lumMod val="50000"/>
-                    <a:lumOff val="50000"/>
-                  </a:schemeClr>
-                </a:solidFill>
-              </a:rPr>
-              <a:t>https://</a:t>
-            </a:r>
-            <a:r>
-              <a:rPr lang="en-GB" sz="1400" dirty="0" err="1">
-                <a:solidFill>
-                  <a:schemeClr val="tx1">
-                    <a:lumMod val="50000"/>
-                    <a:lumOff val="50000"/>
-                  </a:schemeClr>
-                </a:solidFill>
-              </a:rPr>
-              <a:t>docs.python.org</a:t>
-            </a:r>
-            <a:r>
-              <a:rPr lang="en-GB" sz="1400" dirty="0">
-                <a:solidFill>
-                  <a:schemeClr val="tx1">
-                    <a:lumMod val="50000"/>
-                    <a:lumOff val="50000"/>
-                  </a:schemeClr>
-                </a:solidFill>
-              </a:rPr>
-              <a:t>/3/tutorial/</a:t>
-            </a:r>
-            <a:r>
-              <a:rPr lang="en-GB" sz="1400" dirty="0" err="1">
-                <a:solidFill>
-                  <a:schemeClr val="tx1">
-                    <a:lumMod val="50000"/>
-                    <a:lumOff val="50000"/>
-                  </a:schemeClr>
-                </a:solidFill>
-              </a:rPr>
-              <a:t>modules.html</a:t>
-            </a:r>
-            <a:endParaRPr lang="en-NO" sz="1400" dirty="0">
-              <a:solidFill>
-                <a:schemeClr val="tx1">
-                  <a:lumMod val="50000"/>
-                  <a:lumOff val="50000"/>
-                </a:schemeClr>
-              </a:solidFill>
-            </a:endParaRPr>
-          </a:p>
-        </p:txBody>
-      </p:sp>
+      </p:pic>
     </p:spTree>
     <p:extLst>
       <p:ext uri="{BB962C8B-B14F-4D97-AF65-F5344CB8AC3E}">
-        <p14:creationId xmlns:p14="http://schemas.microsoft.com/office/powerpoint/2010/main" val="1581655139"/>
+        <p14:creationId xmlns:p14="http://schemas.microsoft.com/office/powerpoint/2010/main" val="2705157452"/>
       </p:ext>
     </p:extLst>
   </p:cSld>
@@ -6997,168 +7080,6 @@
                   <a:schemeClr val="bg1"/>
                 </a:solidFill>
               </a:rPr>
-              <a:t>Why </a:t>
-            </a:r>
-            <a:r>
-              <a:rPr lang="en-GB" dirty="0">
-                <a:solidFill>
-                  <a:schemeClr val="bg1"/>
-                </a:solidFill>
-              </a:rPr>
-              <a:t>Packages</a:t>
-            </a:r>
-            <a:r>
-              <a:rPr lang="en-NO" dirty="0">
-                <a:solidFill>
-                  <a:schemeClr val="bg1"/>
-                </a:solidFill>
-              </a:rPr>
-              <a:t>?</a:t>
-            </a:r>
-          </a:p>
-        </p:txBody>
-      </p:sp>
-      <p:sp>
-        <p:nvSpPr>
-          <p:cNvPr id="3" name="Content Placeholder 2">
-            <a:extLst>
-              <a:ext uri="{FF2B5EF4-FFF2-40B4-BE49-F238E27FC236}">
-                <a16:creationId xmlns:a16="http://schemas.microsoft.com/office/drawing/2014/main" id="{8750FD65-B2E7-D53C-0F20-D3805B7E403F}"/>
-              </a:ext>
-            </a:extLst>
-          </p:cNvPr>
-          <p:cNvSpPr>
-            <a:spLocks noGrp="1"/>
-          </p:cNvSpPr>
-          <p:nvPr>
-            <p:ph idx="1"/>
-          </p:nvPr>
-        </p:nvSpPr>
-        <p:spPr/>
-        <p:txBody>
-          <a:bodyPr/>
-          <a:lstStyle/>
-          <a:p>
-            <a:r>
-              <a:rPr lang="en-GB" b="0" i="0" u="none" strike="noStrike" dirty="0">
-                <a:solidFill>
-                  <a:schemeClr val="bg1"/>
-                </a:solidFill>
-                <a:effectLst/>
-                <a:latin typeface="Helvetica Neue" panose="02000503000000020004" pitchFamily="2" charset="0"/>
-              </a:rPr>
-              <a:t>Packages allow to organize modules and scripts into single environment</a:t>
-            </a:r>
-          </a:p>
-          <a:p>
-            <a:r>
-              <a:rPr lang="en-GB" b="0" i="0" u="none" strike="noStrike" dirty="0">
-                <a:solidFill>
-                  <a:schemeClr val="bg1"/>
-                </a:solidFill>
-                <a:effectLst/>
-                <a:latin typeface="Helvetica Neue" panose="02000503000000020004" pitchFamily="2" charset="0"/>
-              </a:rPr>
-              <a:t>These can then easily be distributed and imported by name</a:t>
-            </a:r>
-          </a:p>
-        </p:txBody>
-      </p:sp>
-      <p:pic>
-        <p:nvPicPr>
-          <p:cNvPr id="8" name="Picture 7" descr="A screenshot of a computer&#10;&#10;Description automatically generated with medium confidence">
-            <a:extLst>
-              <a:ext uri="{FF2B5EF4-FFF2-40B4-BE49-F238E27FC236}">
-                <a16:creationId xmlns:a16="http://schemas.microsoft.com/office/drawing/2014/main" id="{BFA14E31-13D2-D17B-D9E8-EC6E41DBE8C0}"/>
-              </a:ext>
-            </a:extLst>
-          </p:cNvPr>
-          <p:cNvPicPr>
-            <a:picLocks noChangeAspect="1"/>
-          </p:cNvPicPr>
-          <p:nvPr/>
-        </p:nvPicPr>
-        <p:blipFill>
-          <a:blip r:embed="rId2"/>
-          <a:stretch>
-            <a:fillRect/>
-          </a:stretch>
-        </p:blipFill>
-        <p:spPr>
-          <a:xfrm>
-            <a:off x="3453285" y="3429000"/>
-            <a:ext cx="5285429" cy="2446958"/>
-          </a:xfrm>
-          <a:prstGeom prst="rect">
-            <a:avLst/>
-          </a:prstGeom>
-        </p:spPr>
-      </p:pic>
-    </p:spTree>
-    <p:extLst>
-      <p:ext uri="{BB962C8B-B14F-4D97-AF65-F5344CB8AC3E}">
-        <p14:creationId xmlns:p14="http://schemas.microsoft.com/office/powerpoint/2010/main" val="2705157452"/>
-      </p:ext>
-    </p:extLst>
-  </p:cSld>
-  <p:clrMapOvr>
-    <a:masterClrMapping/>
-  </p:clrMapOvr>
-</p:sld>
-</file>
-
-<file path=ppt/slides/slide9.xml><?xml version="1.0" encoding="utf-8"?>
-<p:sld xmlns:a="http://schemas.openxmlformats.org/drawingml/2006/main" xmlns:r="http://schemas.openxmlformats.org/officeDocument/2006/relationships" xmlns:p="http://schemas.openxmlformats.org/presentationml/2006/main">
-  <p:cSld>
-    <p:bg>
-      <p:bgPr>
-        <a:solidFill>
-          <a:srgbClr val="282C33"/>
-        </a:solidFill>
-        <a:effectLst/>
-      </p:bgPr>
-    </p:bg>
-    <p:spTree>
-      <p:nvGrpSpPr>
-        <p:cNvPr id="1" name=""/>
-        <p:cNvGrpSpPr/>
-        <p:nvPr/>
-      </p:nvGrpSpPr>
-      <p:grpSpPr>
-        <a:xfrm>
-          <a:off x="0" y="0"/>
-          <a:ext cx="0" cy="0"/>
-          <a:chOff x="0" y="0"/>
-          <a:chExt cx="0" cy="0"/>
-        </a:xfrm>
-      </p:grpSpPr>
-      <p:sp>
-        <p:nvSpPr>
-          <p:cNvPr id="2" name="Title 1">
-            <a:extLst>
-              <a:ext uri="{FF2B5EF4-FFF2-40B4-BE49-F238E27FC236}">
-                <a16:creationId xmlns:a16="http://schemas.microsoft.com/office/drawing/2014/main" id="{7C187530-5060-B444-4B96-18889AE3E2C3}"/>
-              </a:ext>
-            </a:extLst>
-          </p:cNvPr>
-          <p:cNvSpPr>
-            <a:spLocks noGrp="1"/>
-          </p:cNvSpPr>
-          <p:nvPr>
-            <p:ph type="title"/>
-          </p:nvPr>
-        </p:nvSpPr>
-        <p:spPr/>
-        <p:txBody>
-          <a:bodyPr/>
-          <a:lstStyle/>
-          <a:p>
-            <a:r>
-              <a:rPr lang="en-NO" dirty="0">
-                <a:solidFill>
-                  <a:schemeClr val="bg1"/>
-                </a:solidFill>
-              </a:rPr>
               <a:t>Example: NumPy</a:t>
             </a:r>
           </a:p>
@@ -7255,6 +7176,141 @@
     <p:extLst>
       <p:ext uri="{BB962C8B-B14F-4D97-AF65-F5344CB8AC3E}">
         <p14:creationId xmlns:p14="http://schemas.microsoft.com/office/powerpoint/2010/main" val="2295928397"/>
+      </p:ext>
+    </p:extLst>
+  </p:cSld>
+  <p:clrMapOvr>
+    <a:masterClrMapping/>
+  </p:clrMapOvr>
+</p:sld>
+</file>
+
+<file path=ppt/slides/slide9.xml><?xml version="1.0" encoding="utf-8"?>
+<p:sld xmlns:a="http://schemas.openxmlformats.org/drawingml/2006/main" xmlns:r="http://schemas.openxmlformats.org/officeDocument/2006/relationships" xmlns:p="http://schemas.openxmlformats.org/presentationml/2006/main">
+  <p:cSld>
+    <p:spTree>
+      <p:nvGrpSpPr>
+        <p:cNvPr id="1" name=""/>
+        <p:cNvGrpSpPr/>
+        <p:nvPr/>
+      </p:nvGrpSpPr>
+      <p:grpSpPr>
+        <a:xfrm>
+          <a:off x="0" y="0"/>
+          <a:ext cx="0" cy="0"/>
+          <a:chOff x="0" y="0"/>
+          <a:chExt cx="0" cy="0"/>
+        </a:xfrm>
+      </p:grpSpPr>
+      <p:sp>
+        <p:nvSpPr>
+          <p:cNvPr id="2" name="Title 1">
+            <a:extLst>
+              <a:ext uri="{FF2B5EF4-FFF2-40B4-BE49-F238E27FC236}">
+                <a16:creationId xmlns:a16="http://schemas.microsoft.com/office/drawing/2014/main" id="{568BC4D0-D766-9AC3-9FCA-9E182B505579}"/>
+              </a:ext>
+            </a:extLst>
+          </p:cNvPr>
+          <p:cNvSpPr>
+            <a:spLocks noGrp="1"/>
+          </p:cNvSpPr>
+          <p:nvPr>
+            <p:ph type="title"/>
+          </p:nvPr>
+        </p:nvSpPr>
+        <p:spPr>
+          <a:xfrm>
+            <a:off x="838200" y="365125"/>
+            <a:ext cx="10515600" cy="1662458"/>
+          </a:xfrm>
+        </p:spPr>
+        <p:txBody>
+          <a:bodyPr/>
+          <a:lstStyle/>
+          <a:p>
+            <a:r>
+              <a:rPr lang="en-NO" dirty="0"/>
+              <a:t>Why C? </a:t>
+            </a:r>
+          </a:p>
+        </p:txBody>
+      </p:sp>
+      <p:pic>
+        <p:nvPicPr>
+          <p:cNvPr id="5" name="Content Placeholder 4" descr="Chart, bar chart, histogram&#10;&#10;Description automatically generated">
+            <a:extLst>
+              <a:ext uri="{FF2B5EF4-FFF2-40B4-BE49-F238E27FC236}">
+                <a16:creationId xmlns:a16="http://schemas.microsoft.com/office/drawing/2014/main" id="{34B6184E-53CA-83D2-BAC3-52A5F1F60F80}"/>
+              </a:ext>
+            </a:extLst>
+          </p:cNvPr>
+          <p:cNvPicPr>
+            <a:picLocks noGrp="1" noChangeAspect="1"/>
+          </p:cNvPicPr>
+          <p:nvPr>
+            <p:ph idx="1"/>
+          </p:nvPr>
+        </p:nvPicPr>
+        <p:blipFill>
+          <a:blip r:embed="rId2"/>
+          <a:stretch>
+            <a:fillRect/>
+          </a:stretch>
+        </p:blipFill>
+        <p:spPr>
+          <a:xfrm>
+            <a:off x="3589130" y="492538"/>
+            <a:ext cx="5013740" cy="5013740"/>
+          </a:xfrm>
+        </p:spPr>
+      </p:pic>
+      <p:sp>
+        <p:nvSpPr>
+          <p:cNvPr id="6" name="TextBox 5">
+            <a:extLst>
+              <a:ext uri="{FF2B5EF4-FFF2-40B4-BE49-F238E27FC236}">
+                <a16:creationId xmlns:a16="http://schemas.microsoft.com/office/drawing/2014/main" id="{35E02217-84FA-5A82-463F-19590A7C4326}"/>
+              </a:ext>
+            </a:extLst>
+          </p:cNvPr>
+          <p:cNvSpPr txBox="1"/>
+          <p:nvPr/>
+        </p:nvSpPr>
+        <p:spPr>
+          <a:xfrm>
+            <a:off x="2623831" y="5648460"/>
+            <a:ext cx="6944337" cy="369332"/>
+          </a:xfrm>
+          <a:prstGeom prst="rect">
+            <a:avLst/>
+          </a:prstGeom>
+          <a:noFill/>
+        </p:spPr>
+        <p:txBody>
+          <a:bodyPr wrap="none" rtlCol="0">
+            <a:spAutoFit/>
+          </a:bodyPr>
+          <a:lstStyle/>
+          <a:p>
+            <a:r>
+              <a:rPr lang="en-NO" dirty="0"/>
+              <a:t>Speed comparing for diff</a:t>
+            </a:r>
+            <a:r>
+              <a:rPr lang="en-GB" dirty="0"/>
+              <a:t>e</a:t>
+            </a:r>
+            <a:r>
+              <a:rPr lang="en-NO" dirty="0"/>
+              <a:t>rent programming languages (lower is better!)</a:t>
+            </a:r>
+          </a:p>
+        </p:txBody>
+      </p:sp>
+    </p:spTree>
+    <p:extLst>
+      <p:ext uri="{BB962C8B-B14F-4D97-AF65-F5344CB8AC3E}">
+        <p14:creationId xmlns:p14="http://schemas.microsoft.com/office/powerpoint/2010/main" val="2876202316"/>
       </p:ext>
     </p:extLst>
   </p:cSld>

--- a/03_packages/python_packages.pptx
+++ b/03_packages/python_packages.pptx
@@ -279,7 +279,7 @@
           <a:p>
             <a:fld id="{9AF1CAD7-6131-6447-8583-4CFB52708ADC}" type="datetimeFigureOut">
               <a:rPr lang="en-NO" smtClean="0"/>
-              <a:t>19/09/2022</a:t>
+              <a:t>20/09/2022</a:t>
             </a:fld>
             <a:endParaRPr lang="en-NO"/>
           </a:p>
@@ -479,7 +479,7 @@
           <a:p>
             <a:fld id="{9AF1CAD7-6131-6447-8583-4CFB52708ADC}" type="datetimeFigureOut">
               <a:rPr lang="en-NO" smtClean="0"/>
-              <a:t>19/09/2022</a:t>
+              <a:t>20/09/2022</a:t>
             </a:fld>
             <a:endParaRPr lang="en-NO"/>
           </a:p>
@@ -689,7 +689,7 @@
           <a:p>
             <a:fld id="{9AF1CAD7-6131-6447-8583-4CFB52708ADC}" type="datetimeFigureOut">
               <a:rPr lang="en-NO" smtClean="0"/>
-              <a:t>19/09/2022</a:t>
+              <a:t>20/09/2022</a:t>
             </a:fld>
             <a:endParaRPr lang="en-NO"/>
           </a:p>
@@ -889,7 +889,7 @@
           <a:p>
             <a:fld id="{9AF1CAD7-6131-6447-8583-4CFB52708ADC}" type="datetimeFigureOut">
               <a:rPr lang="en-NO" smtClean="0"/>
-              <a:t>19/09/2022</a:t>
+              <a:t>20/09/2022</a:t>
             </a:fld>
             <a:endParaRPr lang="en-NO"/>
           </a:p>
@@ -1165,7 +1165,7 @@
           <a:p>
             <a:fld id="{9AF1CAD7-6131-6447-8583-4CFB52708ADC}" type="datetimeFigureOut">
               <a:rPr lang="en-NO" smtClean="0"/>
-              <a:t>19/09/2022</a:t>
+              <a:t>20/09/2022</a:t>
             </a:fld>
             <a:endParaRPr lang="en-NO"/>
           </a:p>
@@ -1433,7 +1433,7 @@
           <a:p>
             <a:fld id="{9AF1CAD7-6131-6447-8583-4CFB52708ADC}" type="datetimeFigureOut">
               <a:rPr lang="en-NO" smtClean="0"/>
-              <a:t>19/09/2022</a:t>
+              <a:t>20/09/2022</a:t>
             </a:fld>
             <a:endParaRPr lang="en-NO"/>
           </a:p>
@@ -1848,7 +1848,7 @@
           <a:p>
             <a:fld id="{9AF1CAD7-6131-6447-8583-4CFB52708ADC}" type="datetimeFigureOut">
               <a:rPr lang="en-NO" smtClean="0"/>
-              <a:t>19/09/2022</a:t>
+              <a:t>20/09/2022</a:t>
             </a:fld>
             <a:endParaRPr lang="en-NO"/>
           </a:p>
@@ -1990,7 +1990,7 @@
           <a:p>
             <a:fld id="{9AF1CAD7-6131-6447-8583-4CFB52708ADC}" type="datetimeFigureOut">
               <a:rPr lang="en-NO" smtClean="0"/>
-              <a:t>19/09/2022</a:t>
+              <a:t>20/09/2022</a:t>
             </a:fld>
             <a:endParaRPr lang="en-NO"/>
           </a:p>
@@ -2103,7 +2103,7 @@
           <a:p>
             <a:fld id="{9AF1CAD7-6131-6447-8583-4CFB52708ADC}" type="datetimeFigureOut">
               <a:rPr lang="en-NO" smtClean="0"/>
-              <a:t>19/09/2022</a:t>
+              <a:t>20/09/2022</a:t>
             </a:fld>
             <a:endParaRPr lang="en-NO"/>
           </a:p>
@@ -2416,7 +2416,7 @@
           <a:p>
             <a:fld id="{9AF1CAD7-6131-6447-8583-4CFB52708ADC}" type="datetimeFigureOut">
               <a:rPr lang="en-NO" smtClean="0"/>
-              <a:t>19/09/2022</a:t>
+              <a:t>20/09/2022</a:t>
             </a:fld>
             <a:endParaRPr lang="en-NO"/>
           </a:p>
@@ -2705,7 +2705,7 @@
           <a:p>
             <a:fld id="{9AF1CAD7-6131-6447-8583-4CFB52708ADC}" type="datetimeFigureOut">
               <a:rPr lang="en-NO" smtClean="0"/>
-              <a:t>19/09/2022</a:t>
+              <a:t>20/09/2022</a:t>
             </a:fld>
             <a:endParaRPr lang="en-NO"/>
           </a:p>
@@ -2948,7 +2948,7 @@
           <a:p>
             <a:fld id="{9AF1CAD7-6131-6447-8583-4CFB52708ADC}" type="datetimeFigureOut">
               <a:rPr lang="en-NO" smtClean="0"/>
-              <a:t>19/09/2022</a:t>
+              <a:t>20/09/2022</a:t>
             </a:fld>
             <a:endParaRPr lang="en-NO"/>
           </a:p>
@@ -5685,6 +5685,8 @@
                 <a:solidFill>
                   <a:schemeClr val="bg1"/>
                 </a:solidFill>
+                <a:latin typeface="Miriam Fixed" panose="020B0509050101010101" pitchFamily="49" charset="-79"/>
+                <a:cs typeface="Miriam Fixed" panose="020B0509050101010101" pitchFamily="49" charset="-79"/>
               </a:rPr>
               <a:t>build-</a:t>
             </a:r>
@@ -5693,6 +5695,8 @@
                 <a:solidFill>
                   <a:schemeClr val="bg1"/>
                 </a:solidFill>
+                <a:latin typeface="Miriam Fixed" panose="020B0509050101010101" pitchFamily="49" charset="-79"/>
+                <a:cs typeface="Miriam Fixed" panose="020B0509050101010101" pitchFamily="49" charset="-79"/>
               </a:rPr>
               <a:t>system.requires</a:t>
             </a:r>
@@ -5701,14 +5705,26 @@
                 <a:solidFill>
                   <a:schemeClr val="bg1"/>
                 </a:solidFill>
-              </a:rPr>
-              <a:t> vs </a:t>
+                <a:latin typeface="Miriam Fixed" panose="020B0509050101010101" pitchFamily="49" charset="-79"/>
+                <a:cs typeface="Miriam Fixed" panose="020B0509050101010101" pitchFamily="49" charset="-79"/>
+              </a:rPr>
+              <a:t> </a:t>
+            </a:r>
+            <a:r>
+              <a:rPr lang="en-GB" dirty="0">
+                <a:solidFill>
+                  <a:schemeClr val="bg1"/>
+                </a:solidFill>
+              </a:rPr>
+              <a:t>vs </a:t>
             </a:r>
             <a:r>
               <a:rPr lang="en-GB" dirty="0" err="1">
                 <a:solidFill>
                   <a:schemeClr val="bg1"/>
                 </a:solidFill>
+                <a:latin typeface="Miriam Fixed" panose="020B0509050101010101" pitchFamily="49" charset="-79"/>
+                <a:cs typeface="Miriam Fixed" panose="020B0509050101010101" pitchFamily="49" charset="-79"/>
               </a:rPr>
               <a:t>project.dependencies</a:t>
             </a:r>
@@ -5717,6 +5733,8 @@
                 <a:solidFill>
                   <a:schemeClr val="bg1"/>
                 </a:solidFill>
+                <a:latin typeface="Miriam Fixed" panose="020B0509050101010101" pitchFamily="49" charset="-79"/>
+                <a:cs typeface="Miriam Fixed" panose="020B0509050101010101" pitchFamily="49" charset="-79"/>
               </a:rPr>
               <a:t> </a:t>
             </a:r>
@@ -5724,6 +5742,8 @@
               <a:solidFill>
                 <a:schemeClr val="bg1"/>
               </a:solidFill>
+              <a:latin typeface="Miriam Fixed" panose="020B0509050101010101" pitchFamily="49" charset="-79"/>
+              <a:cs typeface="Miriam Fixed" panose="020B0509050101010101" pitchFamily="49" charset="-79"/>
             </a:endParaRPr>
           </a:p>
         </p:txBody>
@@ -5750,18 +5770,163 @@
           <a:lstStyle/>
           <a:p>
             <a:r>
-              <a:rPr lang="en-GB">
-                <a:solidFill>
-                  <a:schemeClr val="bg1"/>
-                </a:solidFill>
-              </a:rPr>
-              <a:t>TODO</a:t>
-            </a:r>
-            <a:endParaRPr lang="en-NO" dirty="0">
+              <a:rPr lang="en-GB" dirty="0">
+                <a:solidFill>
+                  <a:schemeClr val="bg1"/>
+                </a:solidFill>
+                <a:latin typeface="Miriam Fixed" panose="020B0509050101010101" pitchFamily="49" charset="-79"/>
+                <a:cs typeface="Miriam Fixed" panose="020B0509050101010101" pitchFamily="49" charset="-79"/>
+              </a:rPr>
+              <a:t>build-</a:t>
+            </a:r>
+            <a:r>
+              <a:rPr lang="en-GB" dirty="0" err="1">
+                <a:solidFill>
+                  <a:schemeClr val="bg1"/>
+                </a:solidFill>
+                <a:latin typeface="Miriam Fixed" panose="020B0509050101010101" pitchFamily="49" charset="-79"/>
+                <a:cs typeface="Miriam Fixed" panose="020B0509050101010101" pitchFamily="49" charset="-79"/>
+              </a:rPr>
+              <a:t>system.requires</a:t>
+            </a:r>
+            <a:r>
+              <a:rPr lang="en-GB" dirty="0">
+                <a:solidFill>
+                  <a:schemeClr val="bg1"/>
+                </a:solidFill>
+                <a:latin typeface="Miriam Fixed" panose="020B0509050101010101" pitchFamily="49" charset="-79"/>
+                <a:cs typeface="Miriam Fixed" panose="020B0509050101010101" pitchFamily="49" charset="-79"/>
+              </a:rPr>
+              <a:t> </a:t>
+            </a:r>
+            <a:r>
+              <a:rPr lang="en-GB" dirty="0">
+                <a:solidFill>
+                  <a:schemeClr val="bg1"/>
+                </a:solidFill>
+              </a:rPr>
+              <a:t>is what’s required to build the package from source and install it. Effectively, these are the dependencies of </a:t>
+            </a:r>
+            <a:r>
+              <a:rPr lang="en-GB" dirty="0" err="1">
+                <a:solidFill>
+                  <a:schemeClr val="bg1"/>
+                </a:solidFill>
+                <a:latin typeface="Miriam Fixed" panose="020B0509050101010101" pitchFamily="49" charset="-79"/>
+                <a:cs typeface="Miriam Fixed" panose="020B0509050101010101" pitchFamily="49" charset="-79"/>
+              </a:rPr>
+              <a:t>setup.py</a:t>
+            </a:r>
+            <a:r>
+              <a:rPr lang="en-GB" dirty="0">
+                <a:solidFill>
+                  <a:schemeClr val="bg1"/>
+                </a:solidFill>
+              </a:rPr>
+              <a:t>. </a:t>
+            </a:r>
+          </a:p>
+          <a:p>
+            <a:pPr lvl="1"/>
+            <a:r>
+              <a:rPr lang="en-GB" dirty="0">
+                <a:solidFill>
+                  <a:schemeClr val="bg1"/>
+                </a:solidFill>
+              </a:rPr>
+              <a:t>These are not required when you are using the package. </a:t>
+            </a:r>
+          </a:p>
+          <a:p>
+            <a:pPr lvl="1"/>
+            <a:r>
+              <a:rPr lang="en-GB" dirty="0">
+                <a:solidFill>
+                  <a:schemeClr val="bg1"/>
+                </a:solidFill>
+              </a:rPr>
+              <a:t>Most users of your package will not get these packages when you publish a package on </a:t>
+            </a:r>
+            <a:r>
+              <a:rPr lang="en-GB" dirty="0" err="1">
+                <a:solidFill>
+                  <a:schemeClr val="bg1"/>
+                </a:solidFill>
+              </a:rPr>
+              <a:t>PyPI</a:t>
+            </a:r>
+            <a:r>
+              <a:rPr lang="en-GB" dirty="0">
+                <a:solidFill>
+                  <a:schemeClr val="bg1"/>
+                </a:solidFill>
+              </a:rPr>
+              <a:t>.</a:t>
+            </a:r>
+          </a:p>
+          <a:p>
+            <a:endParaRPr lang="en-GB" dirty="0">
               <a:solidFill>
                 <a:schemeClr val="bg1"/>
               </a:solidFill>
             </a:endParaRPr>
+          </a:p>
+          <a:p>
+            <a:r>
+              <a:rPr lang="en-GB" dirty="0" err="1">
+                <a:solidFill>
+                  <a:schemeClr val="bg1"/>
+                </a:solidFill>
+                <a:latin typeface="Miriam Fixed" panose="020B0509050101010101" pitchFamily="49" charset="-79"/>
+                <a:cs typeface="Miriam Fixed" panose="020B0509050101010101" pitchFamily="49" charset="-79"/>
+              </a:rPr>
+              <a:t>project.dependencies</a:t>
+            </a:r>
+            <a:r>
+              <a:rPr lang="en-GB" dirty="0">
+                <a:solidFill>
+                  <a:schemeClr val="bg1"/>
+                </a:solidFill>
+                <a:latin typeface="Miriam Fixed" panose="020B0509050101010101" pitchFamily="49" charset="-79"/>
+                <a:cs typeface="Miriam Fixed" panose="020B0509050101010101" pitchFamily="49" charset="-79"/>
+              </a:rPr>
+              <a:t> </a:t>
+            </a:r>
+            <a:r>
+              <a:rPr lang="en-GB" dirty="0">
+                <a:solidFill>
+                  <a:schemeClr val="bg1"/>
+                </a:solidFill>
+              </a:rPr>
+              <a:t>are required when your package is actually used. </a:t>
+            </a:r>
+          </a:p>
+          <a:p>
+            <a:pPr lvl="1"/>
+            <a:r>
+              <a:rPr lang="en-GB" dirty="0">
+                <a:solidFill>
+                  <a:schemeClr val="bg1"/>
+                </a:solidFill>
+              </a:rPr>
+              <a:t>These are the dependencies (I.e. imports) of </a:t>
+            </a:r>
+            <a:r>
+              <a:rPr lang="en-GB" dirty="0" err="1">
+                <a:solidFill>
+                  <a:schemeClr val="bg1"/>
+                </a:solidFill>
+              </a:rPr>
+              <a:t>instapy</a:t>
+            </a:r>
+            <a:r>
+              <a:rPr lang="en-GB" dirty="0">
+                <a:solidFill>
+                  <a:schemeClr val="bg1"/>
+                </a:solidFill>
+              </a:rPr>
+              <a:t>.</a:t>
+            </a:r>
           </a:p>
         </p:txBody>
       </p:sp>

--- a/03_packages/python_packages.pptx
+++ b/03_packages/python_packages.pptx
@@ -279,7 +279,7 @@
           <a:p>
             <a:fld id="{9AF1CAD7-6131-6447-8583-4CFB52708ADC}" type="datetimeFigureOut">
               <a:rPr lang="en-NO" smtClean="0"/>
-              <a:t>20/09/2022</a:t>
+              <a:t>28/09/2022</a:t>
             </a:fld>
             <a:endParaRPr lang="en-NO"/>
           </a:p>
@@ -479,7 +479,7 @@
           <a:p>
             <a:fld id="{9AF1CAD7-6131-6447-8583-4CFB52708ADC}" type="datetimeFigureOut">
               <a:rPr lang="en-NO" smtClean="0"/>
-              <a:t>20/09/2022</a:t>
+              <a:t>28/09/2022</a:t>
             </a:fld>
             <a:endParaRPr lang="en-NO"/>
           </a:p>
@@ -689,7 +689,7 @@
           <a:p>
             <a:fld id="{9AF1CAD7-6131-6447-8583-4CFB52708ADC}" type="datetimeFigureOut">
               <a:rPr lang="en-NO" smtClean="0"/>
-              <a:t>20/09/2022</a:t>
+              <a:t>28/09/2022</a:t>
             </a:fld>
             <a:endParaRPr lang="en-NO"/>
           </a:p>
@@ -889,7 +889,7 @@
           <a:p>
             <a:fld id="{9AF1CAD7-6131-6447-8583-4CFB52708ADC}" type="datetimeFigureOut">
               <a:rPr lang="en-NO" smtClean="0"/>
-              <a:t>20/09/2022</a:t>
+              <a:t>28/09/2022</a:t>
             </a:fld>
             <a:endParaRPr lang="en-NO"/>
           </a:p>
@@ -1165,7 +1165,7 @@
           <a:p>
             <a:fld id="{9AF1CAD7-6131-6447-8583-4CFB52708ADC}" type="datetimeFigureOut">
               <a:rPr lang="en-NO" smtClean="0"/>
-              <a:t>20/09/2022</a:t>
+              <a:t>28/09/2022</a:t>
             </a:fld>
             <a:endParaRPr lang="en-NO"/>
           </a:p>
@@ -1433,7 +1433,7 @@
           <a:p>
             <a:fld id="{9AF1CAD7-6131-6447-8583-4CFB52708ADC}" type="datetimeFigureOut">
               <a:rPr lang="en-NO" smtClean="0"/>
-              <a:t>20/09/2022</a:t>
+              <a:t>28/09/2022</a:t>
             </a:fld>
             <a:endParaRPr lang="en-NO"/>
           </a:p>
@@ -1848,7 +1848,7 @@
           <a:p>
             <a:fld id="{9AF1CAD7-6131-6447-8583-4CFB52708ADC}" type="datetimeFigureOut">
               <a:rPr lang="en-NO" smtClean="0"/>
-              <a:t>20/09/2022</a:t>
+              <a:t>28/09/2022</a:t>
             </a:fld>
             <a:endParaRPr lang="en-NO"/>
           </a:p>
@@ -1990,7 +1990,7 @@
           <a:p>
             <a:fld id="{9AF1CAD7-6131-6447-8583-4CFB52708ADC}" type="datetimeFigureOut">
               <a:rPr lang="en-NO" smtClean="0"/>
-              <a:t>20/09/2022</a:t>
+              <a:t>28/09/2022</a:t>
             </a:fld>
             <a:endParaRPr lang="en-NO"/>
           </a:p>
@@ -2103,7 +2103,7 @@
           <a:p>
             <a:fld id="{9AF1CAD7-6131-6447-8583-4CFB52708ADC}" type="datetimeFigureOut">
               <a:rPr lang="en-NO" smtClean="0"/>
-              <a:t>20/09/2022</a:t>
+              <a:t>28/09/2022</a:t>
             </a:fld>
             <a:endParaRPr lang="en-NO"/>
           </a:p>
@@ -2416,7 +2416,7 @@
           <a:p>
             <a:fld id="{9AF1CAD7-6131-6447-8583-4CFB52708ADC}" type="datetimeFigureOut">
               <a:rPr lang="en-NO" smtClean="0"/>
-              <a:t>20/09/2022</a:t>
+              <a:t>28/09/2022</a:t>
             </a:fld>
             <a:endParaRPr lang="en-NO"/>
           </a:p>
@@ -2705,7 +2705,7 @@
           <a:p>
             <a:fld id="{9AF1CAD7-6131-6447-8583-4CFB52708ADC}" type="datetimeFigureOut">
               <a:rPr lang="en-NO" smtClean="0"/>
-              <a:t>20/09/2022</a:t>
+              <a:t>28/09/2022</a:t>
             </a:fld>
             <a:endParaRPr lang="en-NO"/>
           </a:p>
@@ -2948,7 +2948,7 @@
           <a:p>
             <a:fld id="{9AF1CAD7-6131-6447-8583-4CFB52708ADC}" type="datetimeFigureOut">
               <a:rPr lang="en-NO" smtClean="0"/>
-              <a:t>20/09/2022</a:t>
+              <a:t>28/09/2022</a:t>
             </a:fld>
             <a:endParaRPr lang="en-NO"/>
           </a:p>
